--- a/BCM Testing Wiring.pptx
+++ b/BCM Testing Wiring.pptx
@@ -121,7 +121,7 @@
 <file path=ppt/revisionInfo.xml><?xml version="1.0" encoding="utf-8"?>
 <p1510:revInfo xmlns:a="http://schemas.openxmlformats.org/drawingml/2006/main" xmlns:r="http://schemas.openxmlformats.org/officeDocument/2006/relationships" xmlns:p1510="http://schemas.microsoft.com/office/powerpoint/2015/10/main">
   <p1510:revLst>
-    <p1510:client id="{F8A5B095-A98D-4B74-A57A-143D4EA57E2B}" v="250" dt="2019-03-30T21:02:03.431"/>
+    <p1510:client id="{F8A5B095-A98D-4B74-A57A-143D4EA57E2B}" v="277" dt="2019-05-11T04:28:46.397"/>
   </p1510:revLst>
 </p1510:revInfo>
 </file>
@@ -131,491 +131,12 @@
   <pc:docChgLst>
     <pc:chgData name="Jeffrey Cooke" userId="9a77c3734c9ca5e4" providerId="LiveId" clId="{F8A5B095-A98D-4B74-A57A-143D4EA57E2B}"/>
     <pc:docChg chg="undo custSel addSld modSld">
-      <pc:chgData name="Jeffrey Cooke" userId="9a77c3734c9ca5e4" providerId="LiveId" clId="{F8A5B095-A98D-4B74-A57A-143D4EA57E2B}" dt="2019-03-30T21:11:04.535" v="2526" actId="1076"/>
+      <pc:chgData name="Jeffrey Cooke" userId="9a77c3734c9ca5e4" providerId="LiveId" clId="{F8A5B095-A98D-4B74-A57A-143D4EA57E2B}" dt="2019-05-11T04:29:14.489" v="2736" actId="1076"/>
       <pc:docMkLst>
         <pc:docMk/>
       </pc:docMkLst>
-      <pc:sldChg chg="addSp delSp modSp add">
-        <pc:chgData name="Jeffrey Cooke" userId="9a77c3734c9ca5e4" providerId="LiveId" clId="{F8A5B095-A98D-4B74-A57A-143D4EA57E2B}" dt="2019-02-07T02:23:07.643" v="365" actId="1076"/>
-        <pc:sldMkLst>
-          <pc:docMk/>
-          <pc:sldMk cId="1632586610" sldId="256"/>
-        </pc:sldMkLst>
-        <pc:spChg chg="add mod">
-          <ac:chgData name="Jeffrey Cooke" userId="9a77c3734c9ca5e4" providerId="LiveId" clId="{F8A5B095-A98D-4B74-A57A-143D4EA57E2B}" dt="2019-02-07T02:12:37.587" v="255" actId="1076"/>
-          <ac:spMkLst>
-            <pc:docMk/>
-            <pc:sldMk cId="1632586610" sldId="256"/>
-            <ac:spMk id="2" creationId="{AFEF1DFF-6947-4C37-98F3-4A69CFF2F48D}"/>
-          </ac:spMkLst>
-        </pc:spChg>
-        <pc:spChg chg="del">
-          <ac:chgData name="Jeffrey Cooke" userId="9a77c3734c9ca5e4" providerId="LiveId" clId="{F8A5B095-A98D-4B74-A57A-143D4EA57E2B}" dt="2019-02-06T03:36:26.152" v="1"/>
-          <ac:spMkLst>
-            <pc:docMk/>
-            <pc:sldMk cId="1632586610" sldId="256"/>
-            <ac:spMk id="2" creationId="{F62A919D-48F0-435E-9EF3-E77B34427EA7}"/>
-          </ac:spMkLst>
-        </pc:spChg>
-        <pc:spChg chg="del">
-          <ac:chgData name="Jeffrey Cooke" userId="9a77c3734c9ca5e4" providerId="LiveId" clId="{F8A5B095-A98D-4B74-A57A-143D4EA57E2B}" dt="2019-02-06T03:36:26.152" v="1"/>
-          <ac:spMkLst>
-            <pc:docMk/>
-            <pc:sldMk cId="1632586610" sldId="256"/>
-            <ac:spMk id="3" creationId="{8F38B172-E291-4B0F-8A16-FCE1CEE8DE1A}"/>
-          </ac:spMkLst>
-        </pc:spChg>
-        <pc:spChg chg="add mod">
-          <ac:chgData name="Jeffrey Cooke" userId="9a77c3734c9ca5e4" providerId="LiveId" clId="{F8A5B095-A98D-4B74-A57A-143D4EA57E2B}" dt="2019-02-06T03:38:12.085" v="51" actId="1076"/>
-          <ac:spMkLst>
-            <pc:docMk/>
-            <pc:sldMk cId="1632586610" sldId="256"/>
-            <ac:spMk id="4" creationId="{FB6268D5-EAD4-48C3-A60E-A2D1E2588ED2}"/>
-          </ac:spMkLst>
-        </pc:spChg>
-        <pc:spChg chg="add mod">
-          <ac:chgData name="Jeffrey Cooke" userId="9a77c3734c9ca5e4" providerId="LiveId" clId="{F8A5B095-A98D-4B74-A57A-143D4EA57E2B}" dt="2019-02-06T03:37:01.905" v="31" actId="164"/>
-          <ac:spMkLst>
-            <pc:docMk/>
-            <pc:sldMk cId="1632586610" sldId="256"/>
-            <ac:spMk id="5" creationId="{BE9A1236-77A7-49D4-BD8B-9521CE70D473}"/>
-          </ac:spMkLst>
-        </pc:spChg>
-        <pc:spChg chg="add mod">
-          <ac:chgData name="Jeffrey Cooke" userId="9a77c3734c9ca5e4" providerId="LiveId" clId="{F8A5B095-A98D-4B74-A57A-143D4EA57E2B}" dt="2019-02-06T03:37:01.905" v="31" actId="164"/>
-          <ac:spMkLst>
-            <pc:docMk/>
-            <pc:sldMk cId="1632586610" sldId="256"/>
-            <ac:spMk id="6" creationId="{68C8C499-DF41-4AD5-B7BD-68F526228FA5}"/>
-          </ac:spMkLst>
-        </pc:spChg>
-        <pc:spChg chg="add mod">
-          <ac:chgData name="Jeffrey Cooke" userId="9a77c3734c9ca5e4" providerId="LiveId" clId="{F8A5B095-A98D-4B74-A57A-143D4EA57E2B}" dt="2019-02-06T03:38:12.085" v="51" actId="1076"/>
-          <ac:spMkLst>
-            <pc:docMk/>
-            <pc:sldMk cId="1632586610" sldId="256"/>
-            <ac:spMk id="8" creationId="{B6068A9D-A635-439E-AD84-4DF3939D2C71}"/>
-          </ac:spMkLst>
-        </pc:spChg>
-        <pc:spChg chg="add mod">
-          <ac:chgData name="Jeffrey Cooke" userId="9a77c3734c9ca5e4" providerId="LiveId" clId="{F8A5B095-A98D-4B74-A57A-143D4EA57E2B}" dt="2019-02-06T03:38:12.085" v="51" actId="1076"/>
-          <ac:spMkLst>
-            <pc:docMk/>
-            <pc:sldMk cId="1632586610" sldId="256"/>
-            <ac:spMk id="9" creationId="{F8F10950-1D95-4F9A-A78C-5726C72DC2E0}"/>
-          </ac:spMkLst>
-        </pc:spChg>
-        <pc:spChg chg="add mod">
-          <ac:chgData name="Jeffrey Cooke" userId="9a77c3734c9ca5e4" providerId="LiveId" clId="{F8A5B095-A98D-4B74-A57A-143D4EA57E2B}" dt="2019-02-06T03:38:35.796" v="61" actId="1076"/>
-          <ac:spMkLst>
-            <pc:docMk/>
-            <pc:sldMk cId="1632586610" sldId="256"/>
-            <ac:spMk id="10" creationId="{8DD7033F-C5D0-4B51-9AFA-93BFA0134D99}"/>
-          </ac:spMkLst>
-        </pc:spChg>
-        <pc:spChg chg="add mod">
-          <ac:chgData name="Jeffrey Cooke" userId="9a77c3734c9ca5e4" providerId="LiveId" clId="{F8A5B095-A98D-4B74-A57A-143D4EA57E2B}" dt="2019-02-06T03:39:06.335" v="71" actId="20577"/>
-          <ac:spMkLst>
-            <pc:docMk/>
-            <pc:sldMk cId="1632586610" sldId="256"/>
-            <ac:spMk id="14" creationId="{BC015775-F19F-4D31-9E60-65E0F3C3D8C3}"/>
-          </ac:spMkLst>
-        </pc:spChg>
-        <pc:spChg chg="add mod">
-          <ac:chgData name="Jeffrey Cooke" userId="9a77c3734c9ca5e4" providerId="LiveId" clId="{F8A5B095-A98D-4B74-A57A-143D4EA57E2B}" dt="2019-02-06T03:40:15.933" v="100" actId="1076"/>
-          <ac:spMkLst>
-            <pc:docMk/>
-            <pc:sldMk cId="1632586610" sldId="256"/>
-            <ac:spMk id="22" creationId="{C402F9D0-B3A6-428C-A85E-557386C4FBDE}"/>
-          </ac:spMkLst>
-        </pc:spChg>
-        <pc:spChg chg="add mod">
-          <ac:chgData name="Jeffrey Cooke" userId="9a77c3734c9ca5e4" providerId="LiveId" clId="{F8A5B095-A98D-4B74-A57A-143D4EA57E2B}" dt="2019-02-06T03:41:48.349" v="139" actId="1035"/>
-          <ac:spMkLst>
-            <pc:docMk/>
-            <pc:sldMk cId="1632586610" sldId="256"/>
-            <ac:spMk id="23" creationId="{F4BFA465-17C5-40E6-BC7E-B01FA1661DA8}"/>
-          </ac:spMkLst>
-        </pc:spChg>
-        <pc:spChg chg="add mod">
-          <ac:chgData name="Jeffrey Cooke" userId="9a77c3734c9ca5e4" providerId="LiveId" clId="{F8A5B095-A98D-4B74-A57A-143D4EA57E2B}" dt="2019-02-06T03:41:48.349" v="139" actId="1035"/>
-          <ac:spMkLst>
-            <pc:docMk/>
-            <pc:sldMk cId="1632586610" sldId="256"/>
-            <ac:spMk id="24" creationId="{638FCDE3-04D5-43FB-AD7F-B6C5BE138C64}"/>
-          </ac:spMkLst>
-        </pc:spChg>
-        <pc:spChg chg="add mod">
-          <ac:chgData name="Jeffrey Cooke" userId="9a77c3734c9ca5e4" providerId="LiveId" clId="{F8A5B095-A98D-4B74-A57A-143D4EA57E2B}" dt="2019-02-07T02:23:07.643" v="365" actId="1076"/>
-          <ac:spMkLst>
-            <pc:docMk/>
-            <pc:sldMk cId="1632586610" sldId="256"/>
-            <ac:spMk id="36" creationId="{500763F6-F3C1-4CE6-920B-EC59AB1DE787}"/>
-          </ac:spMkLst>
-        </pc:spChg>
-        <pc:spChg chg="add mod">
-          <ac:chgData name="Jeffrey Cooke" userId="9a77c3734c9ca5e4" providerId="LiveId" clId="{F8A5B095-A98D-4B74-A57A-143D4EA57E2B}" dt="2019-02-06T03:43:31.381" v="181" actId="1076"/>
-          <ac:spMkLst>
-            <pc:docMk/>
-            <pc:sldMk cId="1632586610" sldId="256"/>
-            <ac:spMk id="39" creationId="{1BF8BC3A-EDE1-4503-B67C-9B4A1E031A72}"/>
-          </ac:spMkLst>
-        </pc:spChg>
-        <pc:spChg chg="add mod">
-          <ac:chgData name="Jeffrey Cooke" userId="9a77c3734c9ca5e4" providerId="LiveId" clId="{F8A5B095-A98D-4B74-A57A-143D4EA57E2B}" dt="2019-02-06T03:44:05.685" v="193" actId="1076"/>
-          <ac:spMkLst>
-            <pc:docMk/>
-            <pc:sldMk cId="1632586610" sldId="256"/>
-            <ac:spMk id="40" creationId="{7108605F-AF94-489B-8B0D-F45CD6BD4D7C}"/>
-          </ac:spMkLst>
-        </pc:spChg>
-        <pc:spChg chg="add mod">
-          <ac:chgData name="Jeffrey Cooke" userId="9a77c3734c9ca5e4" providerId="LiveId" clId="{F8A5B095-A98D-4B74-A57A-143D4EA57E2B}" dt="2019-02-06T03:44:47.598" v="203" actId="20577"/>
-          <ac:spMkLst>
-            <pc:docMk/>
-            <pc:sldMk cId="1632586610" sldId="256"/>
-            <ac:spMk id="47" creationId="{D8E086DA-30B9-4863-BC9E-7417908F973B}"/>
-          </ac:spMkLst>
-        </pc:spChg>
-        <pc:spChg chg="add mod">
-          <ac:chgData name="Jeffrey Cooke" userId="9a77c3734c9ca5e4" providerId="LiveId" clId="{F8A5B095-A98D-4B74-A57A-143D4EA57E2B}" dt="2019-02-06T03:44:58.853" v="205" actId="1076"/>
-          <ac:spMkLst>
-            <pc:docMk/>
-            <pc:sldMk cId="1632586610" sldId="256"/>
-            <ac:spMk id="48" creationId="{E12DCDB9-5D53-453D-896D-B6C295F7CDB9}"/>
-          </ac:spMkLst>
-        </pc:spChg>
-        <pc:spChg chg="add mod">
-          <ac:chgData name="Jeffrey Cooke" userId="9a77c3734c9ca5e4" providerId="LiveId" clId="{F8A5B095-A98D-4B74-A57A-143D4EA57E2B}" dt="2019-02-06T03:45:11.381" v="209" actId="1076"/>
-          <ac:spMkLst>
-            <pc:docMk/>
-            <pc:sldMk cId="1632586610" sldId="256"/>
-            <ac:spMk id="49" creationId="{CE9C33C1-F32E-4F3B-81FF-EC238CD9F2BE}"/>
-          </ac:spMkLst>
-        </pc:spChg>
-        <pc:spChg chg="add mod">
-          <ac:chgData name="Jeffrey Cooke" userId="9a77c3734c9ca5e4" providerId="LiveId" clId="{F8A5B095-A98D-4B74-A57A-143D4EA57E2B}" dt="2019-02-06T03:46:39.005" v="226" actId="1076"/>
-          <ac:spMkLst>
-            <pc:docMk/>
-            <pc:sldMk cId="1632586610" sldId="256"/>
-            <ac:spMk id="53" creationId="{0B08BEAC-6DCA-46DD-85E3-9829784F4B79}"/>
-          </ac:spMkLst>
-        </pc:spChg>
-        <pc:spChg chg="mod">
-          <ac:chgData name="Jeffrey Cooke" userId="9a77c3734c9ca5e4" providerId="LiveId" clId="{F8A5B095-A98D-4B74-A57A-143D4EA57E2B}" dt="2019-02-07T02:13:57.542" v="270" actId="13822"/>
-          <ac:spMkLst>
-            <pc:docMk/>
-            <pc:sldMk cId="1632586610" sldId="256"/>
-            <ac:spMk id="54" creationId="{B1DE9230-A200-4E40-9DF0-CC93D69D983C}"/>
-          </ac:spMkLst>
-        </pc:spChg>
-        <pc:spChg chg="mod">
-          <ac:chgData name="Jeffrey Cooke" userId="9a77c3734c9ca5e4" providerId="LiveId" clId="{F8A5B095-A98D-4B74-A57A-143D4EA57E2B}" dt="2019-02-07T02:13:57.542" v="270" actId="13822"/>
-          <ac:spMkLst>
-            <pc:docMk/>
-            <pc:sldMk cId="1632586610" sldId="256"/>
-            <ac:spMk id="55" creationId="{F837D9B0-A646-4F60-8138-732B1AE15572}"/>
-          </ac:spMkLst>
-        </pc:spChg>
-        <pc:spChg chg="add mod">
-          <ac:chgData name="Jeffrey Cooke" userId="9a77c3734c9ca5e4" providerId="LiveId" clId="{F8A5B095-A98D-4B74-A57A-143D4EA57E2B}" dt="2019-02-07T02:14:44.114" v="291" actId="20577"/>
-          <ac:spMkLst>
-            <pc:docMk/>
-            <pc:sldMk cId="1632586610" sldId="256"/>
-            <ac:spMk id="60" creationId="{6F5B7B4A-4E32-450E-8C39-34EA72A26459}"/>
-          </ac:spMkLst>
-        </pc:spChg>
-        <pc:spChg chg="add mod">
-          <ac:chgData name="Jeffrey Cooke" userId="9a77c3734c9ca5e4" providerId="LiveId" clId="{F8A5B095-A98D-4B74-A57A-143D4EA57E2B}" dt="2019-02-07T02:15:10.246" v="298" actId="20577"/>
-          <ac:spMkLst>
-            <pc:docMk/>
-            <pc:sldMk cId="1632586610" sldId="256"/>
-            <ac:spMk id="61" creationId="{64504884-E1E5-4840-A4D6-6A66B148927A}"/>
-          </ac:spMkLst>
-        </pc:spChg>
-        <pc:spChg chg="add mod">
-          <ac:chgData name="Jeffrey Cooke" userId="9a77c3734c9ca5e4" providerId="LiveId" clId="{F8A5B095-A98D-4B74-A57A-143D4EA57E2B}" dt="2019-02-07T02:16:19.074" v="318" actId="1076"/>
-          <ac:spMkLst>
-            <pc:docMk/>
-            <pc:sldMk cId="1632586610" sldId="256"/>
-            <ac:spMk id="69" creationId="{B75868EA-1511-4B69-B18E-1EC96C9DC15E}"/>
-          </ac:spMkLst>
-        </pc:spChg>
-        <pc:spChg chg="add mod">
-          <ac:chgData name="Jeffrey Cooke" userId="9a77c3734c9ca5e4" providerId="LiveId" clId="{F8A5B095-A98D-4B74-A57A-143D4EA57E2B}" dt="2019-02-07T02:16:29.971" v="320" actId="1076"/>
-          <ac:spMkLst>
-            <pc:docMk/>
-            <pc:sldMk cId="1632586610" sldId="256"/>
-            <ac:spMk id="70" creationId="{2C8B5A4F-5D2E-4743-9F54-5127BFD60E8E}"/>
-          </ac:spMkLst>
-        </pc:spChg>
-        <pc:spChg chg="add mod">
-          <ac:chgData name="Jeffrey Cooke" userId="9a77c3734c9ca5e4" providerId="LiveId" clId="{F8A5B095-A98D-4B74-A57A-143D4EA57E2B}" dt="2019-02-07T02:17:18.402" v="336" actId="1076"/>
-          <ac:spMkLst>
-            <pc:docMk/>
-            <pc:sldMk cId="1632586610" sldId="256"/>
-            <ac:spMk id="75" creationId="{1EACD322-0520-469F-B2E1-5C6571BDC32E}"/>
-          </ac:spMkLst>
-        </pc:spChg>
-        <pc:spChg chg="add mod">
-          <ac:chgData name="Jeffrey Cooke" userId="9a77c3734c9ca5e4" providerId="LiveId" clId="{F8A5B095-A98D-4B74-A57A-143D4EA57E2B}" dt="2019-02-07T02:17:12.683" v="335" actId="1076"/>
-          <ac:spMkLst>
-            <pc:docMk/>
-            <pc:sldMk cId="1632586610" sldId="256"/>
-            <ac:spMk id="76" creationId="{ECDAC0C0-951E-40B2-A301-E05E8924A9DC}"/>
-          </ac:spMkLst>
-        </pc:spChg>
-        <pc:spChg chg="add mod">
-          <ac:chgData name="Jeffrey Cooke" userId="9a77c3734c9ca5e4" providerId="LiveId" clId="{F8A5B095-A98D-4B74-A57A-143D4EA57E2B}" dt="2019-02-07T02:18:48.843" v="341" actId="1076"/>
-          <ac:spMkLst>
-            <pc:docMk/>
-            <pc:sldMk cId="1632586610" sldId="256"/>
-            <ac:spMk id="77" creationId="{B6756790-02E4-492D-A824-B2BF1BB1914D}"/>
-          </ac:spMkLst>
-        </pc:spChg>
-        <pc:spChg chg="add mod">
-          <ac:chgData name="Jeffrey Cooke" userId="9a77c3734c9ca5e4" providerId="LiveId" clId="{F8A5B095-A98D-4B74-A57A-143D4EA57E2B}" dt="2019-02-07T02:20:11.917" v="364" actId="404"/>
-          <ac:spMkLst>
-            <pc:docMk/>
-            <pc:sldMk cId="1632586610" sldId="256"/>
-            <ac:spMk id="78" creationId="{A2C3B826-2CE5-4B7E-A7EB-196704F2015F}"/>
-          </ac:spMkLst>
-        </pc:spChg>
-        <pc:grpChg chg="add mod">
-          <ac:chgData name="Jeffrey Cooke" userId="9a77c3734c9ca5e4" providerId="LiveId" clId="{F8A5B095-A98D-4B74-A57A-143D4EA57E2B}" dt="2019-02-06T03:38:12.085" v="51" actId="1076"/>
-          <ac:grpSpMkLst>
-            <pc:docMk/>
-            <pc:sldMk cId="1632586610" sldId="256"/>
-            <ac:grpSpMk id="7" creationId="{F2ABCB73-408F-410A-96B8-3CE87F7F13E6}"/>
-          </ac:grpSpMkLst>
-        </pc:grpChg>
-        <pc:grpChg chg="add mod">
-          <ac:chgData name="Jeffrey Cooke" userId="9a77c3734c9ca5e4" providerId="LiveId" clId="{F8A5B095-A98D-4B74-A57A-143D4EA57E2B}" dt="2019-02-06T03:38:49.877" v="65" actId="1076"/>
-          <ac:grpSpMkLst>
-            <pc:docMk/>
-            <pc:sldMk cId="1632586610" sldId="256"/>
-            <ac:grpSpMk id="11" creationId="{30D634EC-4838-4D24-86D2-563AA9BCC4D5}"/>
-          </ac:grpSpMkLst>
-        </pc:grpChg>
-        <pc:grpChg chg="add mod">
-          <ac:chgData name="Jeffrey Cooke" userId="9a77c3734c9ca5e4" providerId="LiveId" clId="{F8A5B095-A98D-4B74-A57A-143D4EA57E2B}" dt="2019-02-06T03:39:17.837" v="73" actId="1076"/>
-          <ac:grpSpMkLst>
-            <pc:docMk/>
-            <pc:sldMk cId="1632586610" sldId="256"/>
-            <ac:grpSpMk id="15" creationId="{B3705A43-9601-469B-8810-D190E7C00568}"/>
-          </ac:grpSpMkLst>
-        </pc:grpChg>
-        <pc:grpChg chg="add mod">
-          <ac:chgData name="Jeffrey Cooke" userId="9a77c3734c9ca5e4" providerId="LiveId" clId="{F8A5B095-A98D-4B74-A57A-143D4EA57E2B}" dt="2019-02-07T02:12:18.195" v="252" actId="1076"/>
-          <ac:grpSpMkLst>
-            <pc:docMk/>
-            <pc:sldMk cId="1632586610" sldId="256"/>
-            <ac:grpSpMk id="37" creationId="{E2297D7A-30D8-42BD-9AF3-95AB501BAD41}"/>
-          </ac:grpSpMkLst>
-        </pc:grpChg>
-        <pc:grpChg chg="add mod">
-          <ac:chgData name="Jeffrey Cooke" userId="9a77c3734c9ca5e4" providerId="LiveId" clId="{F8A5B095-A98D-4B74-A57A-143D4EA57E2B}" dt="2019-02-07T02:12:34.611" v="254" actId="1076"/>
-          <ac:grpSpMkLst>
-            <pc:docMk/>
-            <pc:sldMk cId="1632586610" sldId="256"/>
-            <ac:grpSpMk id="43" creationId="{BCD18C46-6351-4253-99EB-8356A282E439}"/>
-          </ac:grpSpMkLst>
-        </pc:grpChg>
-        <pc:grpChg chg="add mod">
-          <ac:chgData name="Jeffrey Cooke" userId="9a77c3734c9ca5e4" providerId="LiveId" clId="{F8A5B095-A98D-4B74-A57A-143D4EA57E2B}" dt="2019-02-07T02:13:51.795" v="269" actId="1076"/>
-          <ac:grpSpMkLst>
-            <pc:docMk/>
-            <pc:sldMk cId="1632586610" sldId="256"/>
-            <ac:grpSpMk id="52" creationId="{B034987B-667D-46CA-8953-ED16BC62E6A3}"/>
-          </ac:grpSpMkLst>
-        </pc:grpChg>
-        <pc:grpChg chg="add mod">
-          <ac:chgData name="Jeffrey Cooke" userId="9a77c3734c9ca5e4" providerId="LiveId" clId="{F8A5B095-A98D-4B74-A57A-143D4EA57E2B}" dt="2019-02-07T02:14:11.324" v="274" actId="1076"/>
-          <ac:grpSpMkLst>
-            <pc:docMk/>
-            <pc:sldMk cId="1632586610" sldId="256"/>
-            <ac:grpSpMk id="56" creationId="{EDF9F47F-901A-4E6D-B1BF-137D07B6BA81}"/>
-          </ac:grpSpMkLst>
-        </pc:grpChg>
-        <pc:grpChg chg="add mod">
-          <ac:chgData name="Jeffrey Cooke" userId="9a77c3734c9ca5e4" providerId="LiveId" clId="{F8A5B095-A98D-4B74-A57A-143D4EA57E2B}" dt="2019-02-07T02:15:43.466" v="304" actId="1076"/>
-          <ac:grpSpMkLst>
-            <pc:docMk/>
-            <pc:sldMk cId="1632586610" sldId="256"/>
-            <ac:grpSpMk id="64" creationId="{4C509E21-2A76-431B-BBAC-D1FBC4D089CE}"/>
-          </ac:grpSpMkLst>
-        </pc:grpChg>
-        <pc:cxnChg chg="add mod">
-          <ac:chgData name="Jeffrey Cooke" userId="9a77c3734c9ca5e4" providerId="LiveId" clId="{F8A5B095-A98D-4B74-A57A-143D4EA57E2B}" dt="2019-02-07T02:12:47.250" v="257" actId="13822"/>
-          <ac:cxnSpMkLst>
-            <pc:docMk/>
-            <pc:sldMk cId="1632586610" sldId="256"/>
-            <ac:cxnSpMk id="18" creationId="{0C837F87-CB85-41EE-9E02-75699953F619}"/>
-          </ac:cxnSpMkLst>
-        </pc:cxnChg>
-        <pc:cxnChg chg="add mod">
-          <ac:chgData name="Jeffrey Cooke" userId="9a77c3734c9ca5e4" providerId="LiveId" clId="{F8A5B095-A98D-4B74-A57A-143D4EA57E2B}" dt="2019-02-06T03:39:30.297" v="75" actId="13822"/>
-          <ac:cxnSpMkLst>
-            <pc:docMk/>
-            <pc:sldMk cId="1632586610" sldId="256"/>
-            <ac:cxnSpMk id="19" creationId="{16F245D9-04A2-401F-9DDE-A1E93DA2EA5E}"/>
-          </ac:cxnSpMkLst>
-        </pc:cxnChg>
-        <pc:cxnChg chg="add mod">
-          <ac:chgData name="Jeffrey Cooke" userId="9a77c3734c9ca5e4" providerId="LiveId" clId="{F8A5B095-A98D-4B74-A57A-143D4EA57E2B}" dt="2019-02-06T03:39:40.414" v="77" actId="13822"/>
-          <ac:cxnSpMkLst>
-            <pc:docMk/>
-            <pc:sldMk cId="1632586610" sldId="256"/>
-            <ac:cxnSpMk id="21" creationId="{C278B98F-25D2-4256-96BC-2A1D17E4B67E}"/>
-          </ac:cxnSpMkLst>
-        </pc:cxnChg>
-        <pc:cxnChg chg="add mod">
-          <ac:chgData name="Jeffrey Cooke" userId="9a77c3734c9ca5e4" providerId="LiveId" clId="{F8A5B095-A98D-4B74-A57A-143D4EA57E2B}" dt="2019-02-07T02:13:17.103" v="265" actId="1035"/>
-          <ac:cxnSpMkLst>
-            <pc:docMk/>
-            <pc:sldMk cId="1632586610" sldId="256"/>
-            <ac:cxnSpMk id="25" creationId="{55CAE0B7-0017-4F66-98CE-0D75E5AAFDC6}"/>
-          </ac:cxnSpMkLst>
-        </pc:cxnChg>
-        <pc:cxnChg chg="add del mod">
-          <ac:chgData name="Jeffrey Cooke" userId="9a77c3734c9ca5e4" providerId="LiveId" clId="{F8A5B095-A98D-4B74-A57A-143D4EA57E2B}" dt="2019-02-06T03:41:30.036" v="124" actId="478"/>
-          <ac:cxnSpMkLst>
-            <pc:docMk/>
-            <pc:sldMk cId="1632586610" sldId="256"/>
-            <ac:cxnSpMk id="26" creationId="{4B4B049B-B881-4652-9584-80ECE8CDBBEF}"/>
-          </ac:cxnSpMkLst>
-        </pc:cxnChg>
-        <pc:cxnChg chg="add del mod">
-          <ac:chgData name="Jeffrey Cooke" userId="9a77c3734c9ca5e4" providerId="LiveId" clId="{F8A5B095-A98D-4B74-A57A-143D4EA57E2B}" dt="2019-02-07T02:13:20.165" v="267" actId="478"/>
-          <ac:cxnSpMkLst>
-            <pc:docMk/>
-            <pc:sldMk cId="1632586610" sldId="256"/>
-            <ac:cxnSpMk id="27" creationId="{421653EE-FEDF-4979-8278-9924E3538228}"/>
-          </ac:cxnSpMkLst>
-        </pc:cxnChg>
-        <pc:cxnChg chg="add mod">
-          <ac:chgData name="Jeffrey Cooke" userId="9a77c3734c9ca5e4" providerId="LiveId" clId="{F8A5B095-A98D-4B74-A57A-143D4EA57E2B}" dt="2019-02-06T03:41:48.349" v="139" actId="1035"/>
-          <ac:cxnSpMkLst>
-            <pc:docMk/>
-            <pc:sldMk cId="1632586610" sldId="256"/>
-            <ac:cxnSpMk id="29" creationId="{46400C0B-36A9-4C80-8DB6-E40522726CB7}"/>
-          </ac:cxnSpMkLst>
-        </pc:cxnChg>
-        <pc:cxnChg chg="add mod">
-          <ac:chgData name="Jeffrey Cooke" userId="9a77c3734c9ca5e4" providerId="LiveId" clId="{F8A5B095-A98D-4B74-A57A-143D4EA57E2B}" dt="2019-02-06T03:41:48.349" v="139" actId="1035"/>
-          <ac:cxnSpMkLst>
-            <pc:docMk/>
-            <pc:sldMk cId="1632586610" sldId="256"/>
-            <ac:cxnSpMk id="31" creationId="{4A6C9530-142A-4CCB-AC8B-F6C0EA9BA2A7}"/>
-          </ac:cxnSpMkLst>
-        </pc:cxnChg>
-        <pc:cxnChg chg="add mod">
-          <ac:chgData name="Jeffrey Cooke" userId="9a77c3734c9ca5e4" providerId="LiveId" clId="{F8A5B095-A98D-4B74-A57A-143D4EA57E2B}" dt="2019-02-07T02:14:18.132" v="275" actId="11529"/>
-          <ac:cxnSpMkLst>
-            <pc:docMk/>
-            <pc:sldMk cId="1632586610" sldId="256"/>
-            <ac:cxnSpMk id="32" creationId="{5E66E3FA-5089-4E99-8729-0763F3C10FD0}"/>
-          </ac:cxnSpMkLst>
-        </pc:cxnChg>
-        <pc:cxnChg chg="add mod">
-          <ac:chgData name="Jeffrey Cooke" userId="9a77c3734c9ca5e4" providerId="LiveId" clId="{F8A5B095-A98D-4B74-A57A-143D4EA57E2B}" dt="2019-02-06T03:41:48.349" v="139" actId="1035"/>
-          <ac:cxnSpMkLst>
-            <pc:docMk/>
-            <pc:sldMk cId="1632586610" sldId="256"/>
-            <ac:cxnSpMk id="33" creationId="{BBA8305A-90BE-4D23-AEDC-36646FE30923}"/>
-          </ac:cxnSpMkLst>
-        </pc:cxnChg>
-        <pc:cxnChg chg="add mod">
-          <ac:chgData name="Jeffrey Cooke" userId="9a77c3734c9ca5e4" providerId="LiveId" clId="{F8A5B095-A98D-4B74-A57A-143D4EA57E2B}" dt="2019-02-06T03:46:18.917" v="211" actId="14100"/>
-          <ac:cxnSpMkLst>
-            <pc:docMk/>
-            <pc:sldMk cId="1632586610" sldId="256"/>
-            <ac:cxnSpMk id="35" creationId="{53A725AB-35D3-42BB-89F6-C37CC9FA5468}"/>
-          </ac:cxnSpMkLst>
-        </pc:cxnChg>
-        <pc:cxnChg chg="add mod">
-          <ac:chgData name="Jeffrey Cooke" userId="9a77c3734c9ca5e4" providerId="LiveId" clId="{F8A5B095-A98D-4B74-A57A-143D4EA57E2B}" dt="2019-02-06T03:43:11.357" v="170" actId="11529"/>
-          <ac:cxnSpMkLst>
-            <pc:docMk/>
-            <pc:sldMk cId="1632586610" sldId="256"/>
-            <ac:cxnSpMk id="38" creationId="{1DC8B5E8-23B3-425A-A5FD-6B9E0EC0A0F7}"/>
-          </ac:cxnSpMkLst>
-        </pc:cxnChg>
-        <pc:cxnChg chg="add del mod">
-          <ac:chgData name="Jeffrey Cooke" userId="9a77c3734c9ca5e4" providerId="LiveId" clId="{F8A5B095-A98D-4B74-A57A-143D4EA57E2B}" dt="2019-02-06T03:44:02.548" v="192" actId="478"/>
-          <ac:cxnSpMkLst>
-            <pc:docMk/>
-            <pc:sldMk cId="1632586610" sldId="256"/>
-            <ac:cxnSpMk id="42" creationId="{FE1CBFB0-5F03-4947-BCD6-9BB376ED3640}"/>
-          </ac:cxnSpMkLst>
-        </pc:cxnChg>
-        <pc:cxnChg chg="add mod">
-          <ac:chgData name="Jeffrey Cooke" userId="9a77c3734c9ca5e4" providerId="LiveId" clId="{F8A5B095-A98D-4B74-A57A-143D4EA57E2B}" dt="2019-02-06T03:44:22.387" v="196" actId="13822"/>
-          <ac:cxnSpMkLst>
-            <pc:docMk/>
-            <pc:sldMk cId="1632586610" sldId="256"/>
-            <ac:cxnSpMk id="44" creationId="{58E70057-5765-43C3-965B-7FD51D1E035C}"/>
-          </ac:cxnSpMkLst>
-        </pc:cxnChg>
-        <pc:cxnChg chg="add mod">
-          <ac:chgData name="Jeffrey Cooke" userId="9a77c3734c9ca5e4" providerId="LiveId" clId="{F8A5B095-A98D-4B74-A57A-143D4EA57E2B}" dt="2019-02-06T03:44:32.692" v="198" actId="13822"/>
-          <ac:cxnSpMkLst>
-            <pc:docMk/>
-            <pc:sldMk cId="1632586610" sldId="256"/>
-            <ac:cxnSpMk id="46" creationId="{32A8F765-3C47-4F43-8E5D-5A0E7B046121}"/>
-          </ac:cxnSpMkLst>
-        </pc:cxnChg>
-        <pc:cxnChg chg="add mod">
-          <ac:chgData name="Jeffrey Cooke" userId="9a77c3734c9ca5e4" providerId="LiveId" clId="{F8A5B095-A98D-4B74-A57A-143D4EA57E2B}" dt="2019-02-06T03:45:14.924" v="210" actId="13822"/>
-          <ac:cxnSpMkLst>
-            <pc:docMk/>
-            <pc:sldMk cId="1632586610" sldId="256"/>
-            <ac:cxnSpMk id="51" creationId="{A1150A13-9BDB-4CAD-ACF5-CE638203AF3C}"/>
-          </ac:cxnSpMkLst>
-        </pc:cxnChg>
-        <pc:cxnChg chg="add mod">
-          <ac:chgData name="Jeffrey Cooke" userId="9a77c3734c9ca5e4" providerId="LiveId" clId="{F8A5B095-A98D-4B74-A57A-143D4EA57E2B}" dt="2019-02-07T02:14:23.531" v="276" actId="11529"/>
-          <ac:cxnSpMkLst>
-            <pc:docMk/>
-            <pc:sldMk cId="1632586610" sldId="256"/>
-            <ac:cxnSpMk id="59" creationId="{1C9EE765-8C46-44A4-A172-D58A4CF4729A}"/>
-          </ac:cxnSpMkLst>
-        </pc:cxnChg>
-        <pc:cxnChg chg="add mod">
-          <ac:chgData name="Jeffrey Cooke" userId="9a77c3734c9ca5e4" providerId="LiveId" clId="{F8A5B095-A98D-4B74-A57A-143D4EA57E2B}" dt="2019-02-07T02:15:19.692" v="300" actId="13822"/>
-          <ac:cxnSpMkLst>
-            <pc:docMk/>
-            <pc:sldMk cId="1632586610" sldId="256"/>
-            <ac:cxnSpMk id="63" creationId="{2C47C871-2D46-4D09-B6CE-362A1A663F2E}"/>
-          </ac:cxnSpMkLst>
-        </pc:cxnChg>
-        <pc:cxnChg chg="add mod">
-          <ac:chgData name="Jeffrey Cooke" userId="9a77c3734c9ca5e4" providerId="LiveId" clId="{F8A5B095-A98D-4B74-A57A-143D4EA57E2B}" dt="2019-02-07T02:15:56.530" v="305" actId="11529"/>
-          <ac:cxnSpMkLst>
-            <pc:docMk/>
-            <pc:sldMk cId="1632586610" sldId="256"/>
-            <ac:cxnSpMk id="68" creationId="{22A9BD17-D4FD-45CA-A4F8-8509C5C1B8BC}"/>
-          </ac:cxnSpMkLst>
-        </pc:cxnChg>
-        <pc:cxnChg chg="add mod">
-          <ac:chgData name="Jeffrey Cooke" userId="9a77c3734c9ca5e4" providerId="LiveId" clId="{F8A5B095-A98D-4B74-A57A-143D4EA57E2B}" dt="2019-02-07T02:16:39.171" v="321" actId="11529"/>
-          <ac:cxnSpMkLst>
-            <pc:docMk/>
-            <pc:sldMk cId="1632586610" sldId="256"/>
-            <ac:cxnSpMk id="72" creationId="{440CEE4F-28DC-4B9A-9F79-984B8B62309E}"/>
-          </ac:cxnSpMkLst>
-        </pc:cxnChg>
-        <pc:cxnChg chg="add mod">
-          <ac:chgData name="Jeffrey Cooke" userId="9a77c3734c9ca5e4" providerId="LiveId" clId="{F8A5B095-A98D-4B74-A57A-143D4EA57E2B}" dt="2019-02-07T02:16:46.267" v="322" actId="11529"/>
-          <ac:cxnSpMkLst>
-            <pc:docMk/>
-            <pc:sldMk cId="1632586610" sldId="256"/>
-            <ac:cxnSpMk id="74" creationId="{7C1C2EA0-0CFA-4289-8C5A-681EB1FF4DAC}"/>
-          </ac:cxnSpMkLst>
-        </pc:cxnChg>
-      </pc:sldChg>
       <pc:sldChg chg="addSp delSp modSp add modNotesTx">
-        <pc:chgData name="Jeffrey Cooke" userId="9a77c3734c9ca5e4" providerId="LiveId" clId="{F8A5B095-A98D-4B74-A57A-143D4EA57E2B}" dt="2019-03-30T21:11:04.535" v="2526" actId="1076"/>
+        <pc:chgData name="Jeffrey Cooke" userId="9a77c3734c9ca5e4" providerId="LiveId" clId="{F8A5B095-A98D-4B74-A57A-143D4EA57E2B}" dt="2019-05-11T04:29:14.489" v="2736" actId="1076"/>
         <pc:sldMkLst>
           <pc:docMk/>
           <pc:sldMk cId="1606711641" sldId="257"/>
@@ -724,6 +245,14 @@
             <ac:spMk id="21" creationId="{4F3DFC96-2544-4ED5-ACB7-FABEF52D52A8}"/>
           </ac:spMkLst>
         </pc:spChg>
+        <pc:spChg chg="add mod">
+          <ac:chgData name="Jeffrey Cooke" userId="9a77c3734c9ca5e4" providerId="LiveId" clId="{F8A5B095-A98D-4B74-A57A-143D4EA57E2B}" dt="2019-05-11T04:20:44.992" v="2552" actId="13822"/>
+          <ac:spMkLst>
+            <pc:docMk/>
+            <pc:sldMk cId="1606711641" sldId="257"/>
+            <ac:spMk id="22" creationId="{EADA6CA7-B1C0-402D-A06E-6C4D2F2DE8F9}"/>
+          </ac:spMkLst>
+        </pc:spChg>
         <pc:spChg chg="add del">
           <ac:chgData name="Jeffrey Cooke" userId="9a77c3734c9ca5e4" providerId="LiveId" clId="{F8A5B095-A98D-4B74-A57A-143D4EA57E2B}" dt="2019-02-23T14:27:41.732" v="368" actId="478"/>
           <ac:spMkLst>
@@ -748,6 +277,14 @@
             <ac:spMk id="24" creationId="{DBF4F7D0-49AD-42E7-B648-DEED0FAFA8AC}"/>
           </ac:spMkLst>
         </pc:spChg>
+        <pc:spChg chg="add mod topLvl">
+          <ac:chgData name="Jeffrey Cooke" userId="9a77c3734c9ca5e4" providerId="LiveId" clId="{F8A5B095-A98D-4B74-A57A-143D4EA57E2B}" dt="2019-05-11T04:23:41.722" v="2649" actId="14100"/>
+          <ac:spMkLst>
+            <pc:docMk/>
+            <pc:sldMk cId="1606711641" sldId="257"/>
+            <ac:spMk id="26" creationId="{CEC73E3B-144B-4E4A-9761-9AC6FA589AF3}"/>
+          </ac:spMkLst>
+        </pc:spChg>
         <pc:spChg chg="add mod">
           <ac:chgData name="Jeffrey Cooke" userId="9a77c3734c9ca5e4" providerId="LiveId" clId="{F8A5B095-A98D-4B74-A57A-143D4EA57E2B}" dt="2019-03-30T20:58:20.913" v="2413" actId="1076"/>
           <ac:spMkLst>
@@ -1229,6 +766,30 @@
           </ac:spMkLst>
         </pc:spChg>
         <pc:spChg chg="add mod">
+          <ac:chgData name="Jeffrey Cooke" userId="9a77c3734c9ca5e4" providerId="LiveId" clId="{F8A5B095-A98D-4B74-A57A-143D4EA57E2B}" dt="2019-05-11T04:18:18.506" v="2535" actId="1076"/>
+          <ac:spMkLst>
+            <pc:docMk/>
+            <pc:sldMk cId="1606711641" sldId="257"/>
+            <ac:spMk id="191" creationId="{F8414A17-3D86-4143-8F4B-B554E3471D6C}"/>
+          </ac:spMkLst>
+        </pc:spChg>
+        <pc:spChg chg="add mod">
+          <ac:chgData name="Jeffrey Cooke" userId="9a77c3734c9ca5e4" providerId="LiveId" clId="{F8A5B095-A98D-4B74-A57A-143D4EA57E2B}" dt="2019-05-11T04:18:36.854" v="2542" actId="20577"/>
+          <ac:spMkLst>
+            <pc:docMk/>
+            <pc:sldMk cId="1606711641" sldId="257"/>
+            <ac:spMk id="194" creationId="{9E8AB1A6-6A0F-492D-A01D-B9FDE432A8EA}"/>
+          </ac:spMkLst>
+        </pc:spChg>
+        <pc:spChg chg="add mod">
+          <ac:chgData name="Jeffrey Cooke" userId="9a77c3734c9ca5e4" providerId="LiveId" clId="{F8A5B095-A98D-4B74-A57A-143D4EA57E2B}" dt="2019-05-11T04:18:46.033" v="2544" actId="1076"/>
+          <ac:spMkLst>
+            <pc:docMk/>
+            <pc:sldMk cId="1606711641" sldId="257"/>
+            <ac:spMk id="195" creationId="{BF42789E-FFA2-4EB8-970B-22EB31189D2D}"/>
+          </ac:spMkLst>
+        </pc:spChg>
+        <pc:spChg chg="add mod">
           <ac:chgData name="Jeffrey Cooke" userId="9a77c3734c9ca5e4" providerId="LiveId" clId="{F8A5B095-A98D-4B74-A57A-143D4EA57E2B}" dt="2019-03-30T21:10:17.431" v="2521" actId="1076"/>
           <ac:spMkLst>
             <pc:docMk/>
@@ -1260,6 +821,30 @@
             <ac:spMk id="200" creationId="{64C63E9E-D5C5-448E-83E1-3825C837C098}"/>
           </ac:spMkLst>
         </pc:spChg>
+        <pc:spChg chg="add mod">
+          <ac:chgData name="Jeffrey Cooke" userId="9a77c3734c9ca5e4" providerId="LiveId" clId="{F8A5B095-A98D-4B74-A57A-143D4EA57E2B}" dt="2019-05-11T04:19:08.939" v="2548" actId="1076"/>
+          <ac:spMkLst>
+            <pc:docMk/>
+            <pc:sldMk cId="1606711641" sldId="257"/>
+            <ac:spMk id="201" creationId="{7F2DCE77-5A03-4096-9AAB-7F674827AC6E}"/>
+          </ac:spMkLst>
+        </pc:spChg>
+        <pc:spChg chg="add mod">
+          <ac:chgData name="Jeffrey Cooke" userId="9a77c3734c9ca5e4" providerId="LiveId" clId="{F8A5B095-A98D-4B74-A57A-143D4EA57E2B}" dt="2019-05-11T04:20:55.690" v="2554" actId="1076"/>
+          <ac:spMkLst>
+            <pc:docMk/>
+            <pc:sldMk cId="1606711641" sldId="257"/>
+            <ac:spMk id="202" creationId="{7905D3C8-BCC2-4107-B2DE-A7F67F056CCB}"/>
+          </ac:spMkLst>
+        </pc:spChg>
+        <pc:spChg chg="add mod">
+          <ac:chgData name="Jeffrey Cooke" userId="9a77c3734c9ca5e4" providerId="LiveId" clId="{F8A5B095-A98D-4B74-A57A-143D4EA57E2B}" dt="2019-05-11T04:23:45.481" v="2650" actId="1076"/>
+          <ac:spMkLst>
+            <pc:docMk/>
+            <pc:sldMk cId="1606711641" sldId="257"/>
+            <ac:spMk id="211" creationId="{CB67C713-143E-428B-9076-D22AF6517BD9}"/>
+          </ac:spMkLst>
+        </pc:spChg>
         <pc:spChg chg="add mod topLvl">
           <ac:chgData name="Jeffrey Cooke" userId="9a77c3734c9ca5e4" providerId="LiveId" clId="{F8A5B095-A98D-4B74-A57A-143D4EA57E2B}" dt="2019-03-30T21:08:10.336" v="2509" actId="1076"/>
           <ac:spMkLst>
@@ -1284,6 +869,14 @@
             <ac:spMk id="214" creationId="{2055877F-1682-488C-ABB2-57771FC067DA}"/>
           </ac:spMkLst>
         </pc:spChg>
+        <pc:spChg chg="add mod">
+          <ac:chgData name="Jeffrey Cooke" userId="9a77c3734c9ca5e4" providerId="LiveId" clId="{F8A5B095-A98D-4B74-A57A-143D4EA57E2B}" dt="2019-05-11T04:23:31.808" v="2647" actId="164"/>
+          <ac:spMkLst>
+            <pc:docMk/>
+            <pc:sldMk cId="1606711641" sldId="257"/>
+            <ac:spMk id="214" creationId="{3395BA69-85B7-4C05-8C5F-959525868DC1}"/>
+          </ac:spMkLst>
+        </pc:spChg>
         <pc:spChg chg="add mod topLvl">
           <ac:chgData name="Jeffrey Cooke" userId="9a77c3734c9ca5e4" providerId="LiveId" clId="{F8A5B095-A98D-4B74-A57A-143D4EA57E2B}" dt="2019-03-30T21:01:48.728" v="2450" actId="1076"/>
           <ac:spMkLst>
@@ -1349,7 +942,7 @@
           </ac:spMkLst>
         </pc:spChg>
         <pc:spChg chg="add mod topLvl">
-          <ac:chgData name="Jeffrey Cooke" userId="9a77c3734c9ca5e4" providerId="LiveId" clId="{F8A5B095-A98D-4B74-A57A-143D4EA57E2B}" dt="2019-03-30T20:54:51.467" v="2333" actId="20577"/>
+          <ac:chgData name="Jeffrey Cooke" userId="9a77c3734c9ca5e4" providerId="LiveId" clId="{F8A5B095-A98D-4B74-A57A-143D4EA57E2B}" dt="2019-05-11T04:18:02.522" v="2532" actId="20577"/>
           <ac:spMkLst>
             <pc:docMk/>
             <pc:sldMk cId="1606711641" sldId="257"/>
@@ -1588,6 +1181,14 @@
             <ac:spMk id="280" creationId="{7612BD70-ADB3-40CE-B1A7-3D12DCD748AD}"/>
           </ac:spMkLst>
         </pc:spChg>
+        <pc:spChg chg="add mod">
+          <ac:chgData name="Jeffrey Cooke" userId="9a77c3734c9ca5e4" providerId="LiveId" clId="{F8A5B095-A98D-4B74-A57A-143D4EA57E2B}" dt="2019-05-11T04:29:14.489" v="2736" actId="1076"/>
+          <ac:spMkLst>
+            <pc:docMk/>
+            <pc:sldMk cId="1606711641" sldId="257"/>
+            <ac:spMk id="285" creationId="{73E12504-CEDC-4A84-8858-AB5552681B89}"/>
+          </ac:spMkLst>
+        </pc:spChg>
         <pc:spChg chg="del topLvl">
           <ac:chgData name="Jeffrey Cooke" userId="9a77c3734c9ca5e4" providerId="LiveId" clId="{F8A5B095-A98D-4B74-A57A-143D4EA57E2B}" dt="2019-03-30T20:45:13.140" v="2152" actId="478"/>
           <ac:spMkLst>
@@ -1637,7 +1238,7 @@
           </ac:spMkLst>
         </pc:spChg>
         <pc:spChg chg="add mod">
-          <ac:chgData name="Jeffrey Cooke" userId="9a77c3734c9ca5e4" providerId="LiveId" clId="{F8A5B095-A98D-4B74-A57A-143D4EA57E2B}" dt="2019-03-30T20:58:59.559" v="2422" actId="1076"/>
+          <ac:chgData name="Jeffrey Cooke" userId="9a77c3734c9ca5e4" providerId="LiveId" clId="{F8A5B095-A98D-4B74-A57A-143D4EA57E2B}" dt="2019-05-11T04:19:34.249" v="2550" actId="1076"/>
           <ac:spMkLst>
             <pc:docMk/>
             <pc:sldMk cId="1606711641" sldId="257"/>
@@ -1860,6 +1461,22 @@
             <ac:grpSpMk id="3" creationId="{028C00F5-6CAC-4601-9897-4C38C2BCD585}"/>
           </ac:grpSpMkLst>
         </pc:grpChg>
+        <pc:grpChg chg="add del mod">
+          <ac:chgData name="Jeffrey Cooke" userId="9a77c3734c9ca5e4" providerId="LiveId" clId="{F8A5B095-A98D-4B74-A57A-143D4EA57E2B}" dt="2019-05-11T04:23:00.395" v="2640" actId="165"/>
+          <ac:grpSpMkLst>
+            <pc:docMk/>
+            <pc:sldMk cId="1606711641" sldId="257"/>
+            <ac:grpSpMk id="31" creationId="{8F6BB335-2692-4462-AE09-FDC566FDFB71}"/>
+          </ac:grpSpMkLst>
+        </pc:grpChg>
+        <pc:grpChg chg="add mod">
+          <ac:chgData name="Jeffrey Cooke" userId="9a77c3734c9ca5e4" providerId="LiveId" clId="{F8A5B095-A98D-4B74-A57A-143D4EA57E2B}" dt="2019-05-11T04:23:53.577" v="2651" actId="1076"/>
+          <ac:grpSpMkLst>
+            <pc:docMk/>
+            <pc:sldMk cId="1606711641" sldId="257"/>
+            <ac:grpSpMk id="64" creationId="{7AEBFC76-A24E-4DD4-8BC7-49F26DB8231B}"/>
+          </ac:grpSpMkLst>
+        </pc:grpChg>
         <pc:grpChg chg="add mod">
           <ac:chgData name="Jeffrey Cooke" userId="9a77c3734c9ca5e4" providerId="LiveId" clId="{F8A5B095-A98D-4B74-A57A-143D4EA57E2B}" dt="2019-02-23T15:31:37.347" v="1169" actId="1035"/>
           <ac:grpSpMkLst>
@@ -1916,12 +1533,12 @@
             <ac:grpSpMk id="177" creationId="{A09FC06D-5758-4B99-A162-D2257E51CB3C}"/>
           </ac:grpSpMkLst>
         </pc:grpChg>
-        <pc:grpChg chg="add del mod topLvl">
-          <ac:chgData name="Jeffrey Cooke" userId="9a77c3734c9ca5e4" providerId="LiveId" clId="{F8A5B095-A98D-4B74-A57A-143D4EA57E2B}" dt="2019-03-30T20:47:19.962" v="2181" actId="478"/>
+        <pc:grpChg chg="add mod">
+          <ac:chgData name="Jeffrey Cooke" userId="9a77c3734c9ca5e4" providerId="LiveId" clId="{F8A5B095-A98D-4B74-A57A-143D4EA57E2B}" dt="2019-05-11T04:24:07.217" v="2655" actId="1076"/>
           <ac:grpSpMkLst>
             <pc:docMk/>
             <pc:sldMk cId="1606711641" sldId="257"/>
-            <ac:grpSpMk id="225" creationId="{75FA99C7-A415-4106-9C1C-3C9F02C98ED7}"/>
+            <ac:grpSpMk id="216" creationId="{6EAD2C19-B922-4D28-92CC-513B95AA3737}"/>
           </ac:grpSpMkLst>
         </pc:grpChg>
         <pc:grpChg chg="add del mod topLvl">
@@ -1929,7 +1546,31 @@
           <ac:grpSpMkLst>
             <pc:docMk/>
             <pc:sldMk cId="1606711641" sldId="257"/>
+            <ac:grpSpMk id="225" creationId="{75FA99C7-A415-4106-9C1C-3C9F02C98ED7}"/>
+          </ac:grpSpMkLst>
+        </pc:grpChg>
+        <pc:grpChg chg="add mod">
+          <ac:chgData name="Jeffrey Cooke" userId="9a77c3734c9ca5e4" providerId="LiveId" clId="{F8A5B095-A98D-4B74-A57A-143D4EA57E2B}" dt="2019-05-11T04:24:12.322" v="2656" actId="1076"/>
+          <ac:grpSpMkLst>
+            <pc:docMk/>
+            <pc:sldMk cId="1606711641" sldId="257"/>
+            <ac:grpSpMk id="227" creationId="{81D58678-3694-4351-9603-B741A577623C}"/>
+          </ac:grpSpMkLst>
+        </pc:grpChg>
+        <pc:grpChg chg="add del mod topLvl">
+          <ac:chgData name="Jeffrey Cooke" userId="9a77c3734c9ca5e4" providerId="LiveId" clId="{F8A5B095-A98D-4B74-A57A-143D4EA57E2B}" dt="2019-03-30T20:47:19.962" v="2181" actId="478"/>
+          <ac:grpSpMkLst>
+            <pc:docMk/>
+            <pc:sldMk cId="1606711641" sldId="257"/>
             <ac:grpSpMk id="228" creationId="{5B777489-FB8E-42F8-9199-12D6C4BF6436}"/>
+          </ac:grpSpMkLst>
+        </pc:grpChg>
+        <pc:grpChg chg="add mod">
+          <ac:chgData name="Jeffrey Cooke" userId="9a77c3734c9ca5e4" providerId="LiveId" clId="{F8A5B095-A98D-4B74-A57A-143D4EA57E2B}" dt="2019-05-11T04:24:16.481" v="2657" actId="1076"/>
+          <ac:grpSpMkLst>
+            <pc:docMk/>
+            <pc:sldMk cId="1606711641" sldId="257"/>
+            <ac:grpSpMk id="264" creationId="{63E3C08B-6BF9-4C2E-A089-4378F6D221B4}"/>
           </ac:grpSpMkLst>
         </pc:grpChg>
         <pc:grpChg chg="add mod">
@@ -2052,6 +1693,22 @@
             <ac:cxnSpMk id="20" creationId="{C24F395C-6C1B-4E76-8D62-8C36D6ED22DB}"/>
           </ac:cxnSpMkLst>
         </pc:cxnChg>
+        <pc:cxnChg chg="add mod topLvl">
+          <ac:chgData name="Jeffrey Cooke" userId="9a77c3734c9ca5e4" providerId="LiveId" clId="{F8A5B095-A98D-4B74-A57A-143D4EA57E2B}" dt="2019-05-11T04:23:31.808" v="2647" actId="164"/>
+          <ac:cxnSpMkLst>
+            <pc:docMk/>
+            <pc:sldMk cId="1606711641" sldId="257"/>
+            <ac:cxnSpMk id="28" creationId="{090B1035-49F3-4765-80D6-20E2D609FE23}"/>
+          </ac:cxnSpMkLst>
+        </pc:cxnChg>
+        <pc:cxnChg chg="add mod">
+          <ac:chgData name="Jeffrey Cooke" userId="9a77c3734c9ca5e4" providerId="LiveId" clId="{F8A5B095-A98D-4B74-A57A-143D4EA57E2B}" dt="2019-05-11T04:24:48.454" v="2665" actId="13822"/>
+          <ac:cxnSpMkLst>
+            <pc:docMk/>
+            <pc:sldMk cId="1606711641" sldId="257"/>
+            <ac:cxnSpMk id="70" creationId="{6FDF09BC-EBEF-444E-85D2-3F075D255329}"/>
+          </ac:cxnSpMkLst>
+        </pc:cxnChg>
         <pc:cxnChg chg="add mod">
           <ac:chgData name="Jeffrey Cooke" userId="9a77c3734c9ca5e4" providerId="LiveId" clId="{F8A5B095-A98D-4B74-A57A-143D4EA57E2B}" dt="2019-02-23T15:54:54.496" v="1327" actId="14100"/>
           <ac:cxnSpMkLst>
@@ -2157,6 +1814,14 @@
           </ac:cxnSpMkLst>
         </pc:cxnChg>
         <pc:cxnChg chg="add mod">
+          <ac:chgData name="Jeffrey Cooke" userId="9a77c3734c9ca5e4" providerId="LiveId" clId="{F8A5B095-A98D-4B74-A57A-143D4EA57E2B}" dt="2019-05-11T04:24:21.642" v="2658" actId="14100"/>
+          <ac:cxnSpMkLst>
+            <pc:docMk/>
+            <pc:sldMk cId="1606711641" sldId="257"/>
+            <ac:cxnSpMk id="203" creationId="{655340A1-B11D-476B-87FA-E6FBF2137DAF}"/>
+          </ac:cxnSpMkLst>
+        </pc:cxnChg>
+        <pc:cxnChg chg="add mod">
           <ac:chgData name="Jeffrey Cooke" userId="9a77c3734c9ca5e4" providerId="LiveId" clId="{F8A5B095-A98D-4B74-A57A-143D4EA57E2B}" dt="2019-03-30T20:46:25.650" v="2167" actId="1076"/>
           <ac:cxnSpMkLst>
             <pc:docMk/>
@@ -2197,7 +1862,7 @@
           </ac:cxnSpMkLst>
         </pc:cxnChg>
         <pc:cxnChg chg="add mod">
-          <ac:chgData name="Jeffrey Cooke" userId="9a77c3734c9ca5e4" providerId="LiveId" clId="{F8A5B095-A98D-4B74-A57A-143D4EA57E2B}" dt="2019-03-30T20:44:02.777" v="2138" actId="14100"/>
+          <ac:chgData name="Jeffrey Cooke" userId="9a77c3734c9ca5e4" providerId="LiveId" clId="{F8A5B095-A98D-4B74-A57A-143D4EA57E2B}" dt="2019-05-11T04:28:30.818" v="2712" actId="14100"/>
           <ac:cxnSpMkLst>
             <pc:docMk/>
             <pc:sldMk cId="1606711641" sldId="257"/>
@@ -2205,7 +1870,7 @@
           </ac:cxnSpMkLst>
         </pc:cxnChg>
         <pc:cxnChg chg="add mod">
-          <ac:chgData name="Jeffrey Cooke" userId="9a77c3734c9ca5e4" providerId="LiveId" clId="{F8A5B095-A98D-4B74-A57A-143D4EA57E2B}" dt="2019-03-30T20:44:02.777" v="2138" actId="14100"/>
+          <ac:chgData name="Jeffrey Cooke" userId="9a77c3734c9ca5e4" providerId="LiveId" clId="{F8A5B095-A98D-4B74-A57A-143D4EA57E2B}" dt="2019-05-11T04:28:00.448" v="2704" actId="14100"/>
           <ac:cxnSpMkLst>
             <pc:docMk/>
             <pc:sldMk cId="1606711641" sldId="257"/>
@@ -2229,19 +1894,51 @@
           </ac:cxnSpMkLst>
         </pc:cxnChg>
         <pc:cxnChg chg="add mod">
-          <ac:chgData name="Jeffrey Cooke" userId="9a77c3734c9ca5e4" providerId="LiveId" clId="{F8A5B095-A98D-4B74-A57A-143D4EA57E2B}" dt="2019-03-30T20:44:02.777" v="2138" actId="14100"/>
+          <ac:chgData name="Jeffrey Cooke" userId="9a77c3734c9ca5e4" providerId="LiveId" clId="{F8A5B095-A98D-4B74-A57A-143D4EA57E2B}" dt="2019-05-11T04:28:10.705" v="2706" actId="14100"/>
           <ac:cxnSpMkLst>
             <pc:docMk/>
             <pc:sldMk cId="1606711641" sldId="257"/>
             <ac:cxnSpMk id="267" creationId="{EC0FBA9A-A3F5-42EB-A897-CF87B72E6B40}"/>
           </ac:cxnSpMkLst>
         </pc:cxnChg>
+        <pc:cxnChg chg="add del mod">
+          <ac:chgData name="Jeffrey Cooke" userId="9a77c3734c9ca5e4" providerId="LiveId" clId="{F8A5B095-A98D-4B74-A57A-143D4EA57E2B}" dt="2019-05-11T04:24:39.505" v="2663" actId="478"/>
+          <ac:cxnSpMkLst>
+            <pc:docMk/>
+            <pc:sldMk cId="1606711641" sldId="257"/>
+            <ac:cxnSpMk id="271" creationId="{D62AD8AC-2A48-400B-B326-2396F023928B}"/>
+          </ac:cxnSpMkLst>
+        </pc:cxnChg>
         <pc:cxnChg chg="add mod">
-          <ac:chgData name="Jeffrey Cooke" userId="9a77c3734c9ca5e4" providerId="LiveId" clId="{F8A5B095-A98D-4B74-A57A-143D4EA57E2B}" dt="2019-03-30T21:07:42.695" v="2506" actId="14100"/>
+          <ac:chgData name="Jeffrey Cooke" userId="9a77c3734c9ca5e4" providerId="LiveId" clId="{F8A5B095-A98D-4B74-A57A-143D4EA57E2B}" dt="2019-05-11T04:24:55.770" v="2668" actId="14100"/>
           <ac:cxnSpMkLst>
             <pc:docMk/>
             <pc:sldMk cId="1606711641" sldId="257"/>
+            <ac:cxnSpMk id="272" creationId="{FE5E442B-1772-431F-9CF4-7209BF1ABAE1}"/>
+          </ac:cxnSpMkLst>
+        </pc:cxnChg>
+        <pc:cxnChg chg="add mod">
+          <ac:chgData name="Jeffrey Cooke" userId="9a77c3734c9ca5e4" providerId="LiveId" clId="{F8A5B095-A98D-4B74-A57A-143D4EA57E2B}" dt="2019-05-11T04:19:34.249" v="2550" actId="1076"/>
+          <ac:cxnSpMkLst>
+            <pc:docMk/>
+            <pc:sldMk cId="1606711641" sldId="257"/>
             <ac:cxnSpMk id="274" creationId="{7CE294EF-016D-4AAA-868C-578BE1262832}"/>
+          </ac:cxnSpMkLst>
+        </pc:cxnChg>
+        <pc:cxnChg chg="add mod">
+          <ac:chgData name="Jeffrey Cooke" userId="9a77c3734c9ca5e4" providerId="LiveId" clId="{F8A5B095-A98D-4B74-A57A-143D4EA57E2B}" dt="2019-05-11T04:25:04.170" v="2671" actId="14100"/>
+          <ac:cxnSpMkLst>
+            <pc:docMk/>
+            <pc:sldMk cId="1606711641" sldId="257"/>
+            <ac:cxnSpMk id="275" creationId="{F9C68B8B-2DC4-44C7-B69E-5CBCE7060E9E}"/>
+          </ac:cxnSpMkLst>
+        </pc:cxnChg>
+        <pc:cxnChg chg="add mod">
+          <ac:chgData name="Jeffrey Cooke" userId="9a77c3734c9ca5e4" providerId="LiveId" clId="{F8A5B095-A98D-4B74-A57A-143D4EA57E2B}" dt="2019-05-11T04:25:17.154" v="2674" actId="14100"/>
+          <ac:cxnSpMkLst>
+            <pc:docMk/>
+            <pc:sldMk cId="1606711641" sldId="257"/>
+            <ac:cxnSpMk id="277" creationId="{5CD4DA19-BBD3-40FD-A8F6-579D0474E5BC}"/>
           </ac:cxnSpMkLst>
         </pc:cxnChg>
         <pc:cxnChg chg="add del mod">
@@ -2253,11 +1950,27 @@
           </ac:cxnSpMkLst>
         </pc:cxnChg>
         <pc:cxnChg chg="add mod">
-          <ac:chgData name="Jeffrey Cooke" userId="9a77c3734c9ca5e4" providerId="LiveId" clId="{F8A5B095-A98D-4B74-A57A-143D4EA57E2B}" dt="2019-03-30T20:59:12.040" v="2425" actId="14100"/>
+          <ac:chgData name="Jeffrey Cooke" userId="9a77c3734c9ca5e4" providerId="LiveId" clId="{F8A5B095-A98D-4B74-A57A-143D4EA57E2B}" dt="2019-05-11T04:27:14.625" v="2698" actId="14100"/>
           <ac:cxnSpMkLst>
             <pc:docMk/>
             <pc:sldMk cId="1606711641" sldId="257"/>
+            <ac:cxnSpMk id="278" creationId="{E5B285DD-C491-46E4-A22F-FC19F9CC8D70}"/>
+          </ac:cxnSpMkLst>
+        </pc:cxnChg>
+        <pc:cxnChg chg="add mod">
+          <ac:chgData name="Jeffrey Cooke" userId="9a77c3734c9ca5e4" providerId="LiveId" clId="{F8A5B095-A98D-4B74-A57A-143D4EA57E2B}" dt="2019-05-11T04:18:21.802" v="2536" actId="14100"/>
+          <ac:cxnSpMkLst>
+            <pc:docMk/>
+            <pc:sldMk cId="1606711641" sldId="257"/>
             <ac:cxnSpMk id="281" creationId="{D693723A-1C25-45D9-98CF-D6AD4E4C514E}"/>
+          </ac:cxnSpMkLst>
+        </pc:cxnChg>
+        <pc:cxnChg chg="add mod">
+          <ac:chgData name="Jeffrey Cooke" userId="9a77c3734c9ca5e4" providerId="LiveId" clId="{F8A5B095-A98D-4B74-A57A-143D4EA57E2B}" dt="2019-05-11T04:28:38.041" v="2713" actId="14100"/>
+          <ac:cxnSpMkLst>
+            <pc:docMk/>
+            <pc:sldMk cId="1606711641" sldId="257"/>
+            <ac:cxnSpMk id="282" creationId="{FE1F0180-98D9-48D3-BF60-B81E355C7CDD}"/>
           </ac:cxnSpMkLst>
         </pc:cxnChg>
         <pc:cxnChg chg="add del mod">
@@ -2266,6 +1979,22 @@
             <pc:docMk/>
             <pc:sldMk cId="1606711641" sldId="257"/>
             <ac:cxnSpMk id="283" creationId="{0213F883-E679-4E7E-8BD3-2BA1E1D7D853}"/>
+          </ac:cxnSpMkLst>
+        </pc:cxnChg>
+        <pc:cxnChg chg="add mod">
+          <ac:chgData name="Jeffrey Cooke" userId="9a77c3734c9ca5e4" providerId="LiveId" clId="{F8A5B095-A98D-4B74-A57A-143D4EA57E2B}" dt="2019-05-11T04:28:05.441" v="2705" actId="14100"/>
+          <ac:cxnSpMkLst>
+            <pc:docMk/>
+            <pc:sldMk cId="1606711641" sldId="257"/>
+            <ac:cxnSpMk id="283" creationId="{54CC1282-07A8-4691-9C08-FC5445D8B734}"/>
+          </ac:cxnSpMkLst>
+        </pc:cxnChg>
+        <pc:cxnChg chg="add mod">
+          <ac:chgData name="Jeffrey Cooke" userId="9a77c3734c9ca5e4" providerId="LiveId" clId="{F8A5B095-A98D-4B74-A57A-143D4EA57E2B}" dt="2019-05-11T04:28:23.352" v="2711" actId="14100"/>
+          <ac:cxnSpMkLst>
+            <pc:docMk/>
+            <pc:sldMk cId="1606711641" sldId="257"/>
+            <ac:cxnSpMk id="284" creationId="{D95F0CBC-94BD-46A0-A8AD-6ED3B4E62A43}"/>
           </ac:cxnSpMkLst>
         </pc:cxnChg>
         <pc:cxnChg chg="add del mod">
@@ -2690,7 +2419,7 @@
           <a:p>
             <a:fld id="{99173FE9-6EEE-48E9-B6C6-758E6788830B}" type="datetimeFigureOut">
               <a:rPr lang="en-US" smtClean="0"/>
-              <a:t>3/30/2019</a:t>
+              <a:t>5/10/2019</a:t>
             </a:fld>
             <a:endParaRPr lang="en-US"/>
           </a:p>
@@ -3252,7 +2981,7 @@
           <a:p>
             <a:fld id="{74716288-7788-49B1-8560-952DDE6377D3}" type="datetimeFigureOut">
               <a:rPr lang="en-US" smtClean="0"/>
-              <a:t>3/30/2019</a:t>
+              <a:t>5/10/2019</a:t>
             </a:fld>
             <a:endParaRPr lang="en-US"/>
           </a:p>
@@ -3450,7 +3179,7 @@
           <a:p>
             <a:fld id="{74716288-7788-49B1-8560-952DDE6377D3}" type="datetimeFigureOut">
               <a:rPr lang="en-US" smtClean="0"/>
-              <a:t>3/30/2019</a:t>
+              <a:t>5/10/2019</a:t>
             </a:fld>
             <a:endParaRPr lang="en-US"/>
           </a:p>
@@ -3658,7 +3387,7 @@
           <a:p>
             <a:fld id="{74716288-7788-49B1-8560-952DDE6377D3}" type="datetimeFigureOut">
               <a:rPr lang="en-US" smtClean="0"/>
-              <a:t>3/30/2019</a:t>
+              <a:t>5/10/2019</a:t>
             </a:fld>
             <a:endParaRPr lang="en-US"/>
           </a:p>
@@ -3856,7 +3585,7 @@
           <a:p>
             <a:fld id="{74716288-7788-49B1-8560-952DDE6377D3}" type="datetimeFigureOut">
               <a:rPr lang="en-US" smtClean="0"/>
-              <a:t>3/30/2019</a:t>
+              <a:t>5/10/2019</a:t>
             </a:fld>
             <a:endParaRPr lang="en-US"/>
           </a:p>
@@ -4131,7 +3860,7 @@
           <a:p>
             <a:fld id="{74716288-7788-49B1-8560-952DDE6377D3}" type="datetimeFigureOut">
               <a:rPr lang="en-US" smtClean="0"/>
-              <a:t>3/30/2019</a:t>
+              <a:t>5/10/2019</a:t>
             </a:fld>
             <a:endParaRPr lang="en-US"/>
           </a:p>
@@ -4396,7 +4125,7 @@
           <a:p>
             <a:fld id="{74716288-7788-49B1-8560-952DDE6377D3}" type="datetimeFigureOut">
               <a:rPr lang="en-US" smtClean="0"/>
-              <a:t>3/30/2019</a:t>
+              <a:t>5/10/2019</a:t>
             </a:fld>
             <a:endParaRPr lang="en-US"/>
           </a:p>
@@ -4808,7 +4537,7 @@
           <a:p>
             <a:fld id="{74716288-7788-49B1-8560-952DDE6377D3}" type="datetimeFigureOut">
               <a:rPr lang="en-US" smtClean="0"/>
-              <a:t>3/30/2019</a:t>
+              <a:t>5/10/2019</a:t>
             </a:fld>
             <a:endParaRPr lang="en-US"/>
           </a:p>
@@ -4949,7 +4678,7 @@
           <a:p>
             <a:fld id="{74716288-7788-49B1-8560-952DDE6377D3}" type="datetimeFigureOut">
               <a:rPr lang="en-US" smtClean="0"/>
-              <a:t>3/30/2019</a:t>
+              <a:t>5/10/2019</a:t>
             </a:fld>
             <a:endParaRPr lang="en-US"/>
           </a:p>
@@ -5062,7 +4791,7 @@
           <a:p>
             <a:fld id="{74716288-7788-49B1-8560-952DDE6377D3}" type="datetimeFigureOut">
               <a:rPr lang="en-US" smtClean="0"/>
-              <a:t>3/30/2019</a:t>
+              <a:t>5/10/2019</a:t>
             </a:fld>
             <a:endParaRPr lang="en-US"/>
           </a:p>
@@ -5373,7 +5102,7 @@
           <a:p>
             <a:fld id="{74716288-7788-49B1-8560-952DDE6377D3}" type="datetimeFigureOut">
               <a:rPr lang="en-US" smtClean="0"/>
-              <a:t>3/30/2019</a:t>
+              <a:t>5/10/2019</a:t>
             </a:fld>
             <a:endParaRPr lang="en-US"/>
           </a:p>
@@ -5661,7 +5390,7 @@
           <a:p>
             <a:fld id="{74716288-7788-49B1-8560-952DDE6377D3}" type="datetimeFigureOut">
               <a:rPr lang="en-US" smtClean="0"/>
-              <a:t>3/30/2019</a:t>
+              <a:t>5/10/2019</a:t>
             </a:fld>
             <a:endParaRPr lang="en-US"/>
           </a:p>
@@ -5902,7 +5631,7 @@
           <a:p>
             <a:fld id="{74716288-7788-49B1-8560-952DDE6377D3}" type="datetimeFigureOut">
               <a:rPr lang="en-US" smtClean="0"/>
-              <a:t>3/30/2019</a:t>
+              <a:t>5/10/2019</a:t>
             </a:fld>
             <a:endParaRPr lang="en-US"/>
           </a:p>
@@ -12976,7 +12705,7 @@
           <a:p>
             <a:r>
               <a:rPr lang="en-US" sz="800" dirty="0"/>
-              <a:t>VCC</a:t>
+              <a:t>JD-VCC</a:t>
             </a:r>
           </a:p>
         </p:txBody>
@@ -13541,7 +13270,7 @@
           </a:xfrm>
           <a:prstGeom prst="bentConnector3">
             <a:avLst>
-              <a:gd name="adj1" fmla="val 31932"/>
+              <a:gd name="adj1" fmla="val 37288"/>
             </a:avLst>
           </a:prstGeom>
           <a:ln>
@@ -13586,7 +13315,7 @@
           </a:xfrm>
           <a:prstGeom prst="bentConnector3">
             <a:avLst>
-              <a:gd name="adj1" fmla="val 29080"/>
+              <a:gd name="adj1" fmla="val 34724"/>
             </a:avLst>
           </a:prstGeom>
           <a:ln>
@@ -13631,7 +13360,7 @@
           </a:xfrm>
           <a:prstGeom prst="bentConnector3">
             <a:avLst>
-              <a:gd name="adj1" fmla="val 50000"/>
+              <a:gd name="adj1" fmla="val 30795"/>
             </a:avLst>
           </a:prstGeom>
           <a:ln>
@@ -13699,20 +13428,18 @@
           </p:cNvPr>
           <p:cNvCxnSpPr>
             <a:cxnSpLocks/>
-            <a:stCxn id="224" idx="0"/>
+            <a:stCxn id="201" idx="2"/>
             <a:endCxn id="331" idx="4"/>
           </p:cNvCxnSpPr>
           <p:nvPr/>
         </p:nvCxnSpPr>
         <p:spPr>
-          <a:xfrm rot="5400000" flipH="1" flipV="1">
-            <a:off x="5697960" y="3580085"/>
-            <a:ext cx="962251" cy="1158237"/>
-          </a:xfrm>
-          <a:prstGeom prst="bentConnector3">
-            <a:avLst>
-              <a:gd name="adj1" fmla="val 23357"/>
-            </a:avLst>
+          <a:xfrm rot="10800000">
+            <a:off x="7544553" y="3677704"/>
+            <a:ext cx="3159134" cy="348202"/>
+          </a:xfrm>
+          <a:prstGeom prst="bentConnector2">
+            <a:avLst/>
           </a:prstGeom>
           <a:ln>
             <a:tailEnd type="triangle"/>
@@ -16533,20 +16260,18 @@
           </p:cNvPr>
           <p:cNvCxnSpPr>
             <a:cxnSpLocks/>
-            <a:stCxn id="279" idx="0"/>
+            <a:stCxn id="191" idx="2"/>
             <a:endCxn id="218" idx="4"/>
           </p:cNvCxnSpPr>
           <p:nvPr/>
         </p:nvCxnSpPr>
         <p:spPr>
-          <a:xfrm rot="5400000" flipH="1" flipV="1">
-            <a:off x="6944560" y="3838881"/>
-            <a:ext cx="984176" cy="648556"/>
-          </a:xfrm>
-          <a:prstGeom prst="bentConnector3">
-            <a:avLst>
-              <a:gd name="adj1" fmla="val 78654"/>
-            </a:avLst>
+          <a:xfrm rot="10800000">
+            <a:off x="7760927" y="3671072"/>
+            <a:ext cx="2942761" cy="201359"/>
+          </a:xfrm>
+          <a:prstGeom prst="bentConnector2">
+            <a:avLst/>
           </a:prstGeom>
           <a:ln>
             <a:tailEnd type="triangle"/>
@@ -16626,7 +16351,7 @@
         </p:nvSpPr>
         <p:spPr>
           <a:xfrm>
-            <a:off x="6706885" y="3547449"/>
+            <a:off x="7493234" y="3547076"/>
             <a:ext cx="102637" cy="130628"/>
           </a:xfrm>
           <a:prstGeom prst="ellipse">
@@ -16741,6 +16466,1427 @@
           <a:p>
             <a:pPr algn="ctr"/>
             <a:endParaRPr lang="en-US"/>
+          </a:p>
+        </p:txBody>
+      </p:sp>
+      <p:sp>
+        <p:nvSpPr>
+          <p:cNvPr id="191" name="Oval 190">
+            <a:extLst>
+              <a:ext uri="{FF2B5EF4-FFF2-40B4-BE49-F238E27FC236}">
+                <a16:creationId xmlns:a16="http://schemas.microsoft.com/office/drawing/2014/main" id="{F8414A17-3D86-4143-8F4B-B554E3471D6C}"/>
+              </a:ext>
+            </a:extLst>
+          </p:cNvPr>
+          <p:cNvSpPr/>
+          <p:nvPr/>
+        </p:nvSpPr>
+        <p:spPr>
+          <a:xfrm>
+            <a:off x="10703687" y="3807116"/>
+            <a:ext cx="102637" cy="130628"/>
+          </a:xfrm>
+          <a:prstGeom prst="ellipse">
+            <a:avLst/>
+          </a:prstGeom>
+        </p:spPr>
+        <p:style>
+          <a:lnRef idx="2">
+            <a:schemeClr val="accent2"/>
+          </a:lnRef>
+          <a:fillRef idx="1">
+            <a:schemeClr val="lt1"/>
+          </a:fillRef>
+          <a:effectRef idx="0">
+            <a:schemeClr val="accent2"/>
+          </a:effectRef>
+          <a:fontRef idx="minor">
+            <a:schemeClr val="dk1"/>
+          </a:fontRef>
+        </p:style>
+        <p:txBody>
+          <a:bodyPr rtlCol="0" anchor="ctr"/>
+          <a:lstStyle/>
+          <a:p>
+            <a:pPr algn="ctr"/>
+            <a:endParaRPr lang="en-US"/>
+          </a:p>
+        </p:txBody>
+      </p:sp>
+      <p:sp>
+        <p:nvSpPr>
+          <p:cNvPr id="194" name="TextBox 193">
+            <a:extLst>
+              <a:ext uri="{FF2B5EF4-FFF2-40B4-BE49-F238E27FC236}">
+                <a16:creationId xmlns:a16="http://schemas.microsoft.com/office/drawing/2014/main" id="{9E8AB1A6-6A0F-492D-A01D-B9FDE432A8EA}"/>
+              </a:ext>
+            </a:extLst>
+          </p:cNvPr>
+          <p:cNvSpPr txBox="1"/>
+          <p:nvPr/>
+        </p:nvSpPr>
+        <p:spPr>
+          <a:xfrm>
+            <a:off x="10115932" y="3685634"/>
+            <a:ext cx="412292" cy="215444"/>
+          </a:xfrm>
+          <a:prstGeom prst="rect">
+            <a:avLst/>
+          </a:prstGeom>
+          <a:noFill/>
+        </p:spPr>
+        <p:txBody>
+          <a:bodyPr wrap="none" rtlCol="0">
+            <a:spAutoFit/>
+          </a:bodyPr>
+          <a:lstStyle/>
+          <a:p>
+            <a:r>
+              <a:rPr lang="en-US" sz="800" dirty="0"/>
+              <a:t>5v ?A</a:t>
+            </a:r>
+          </a:p>
+        </p:txBody>
+      </p:sp>
+      <p:sp>
+        <p:nvSpPr>
+          <p:cNvPr id="195" name="TextBox 194">
+            <a:extLst>
+              <a:ext uri="{FF2B5EF4-FFF2-40B4-BE49-F238E27FC236}">
+                <a16:creationId xmlns:a16="http://schemas.microsoft.com/office/drawing/2014/main" id="{BF42789E-FFA2-4EB8-970B-22EB31189D2D}"/>
+              </a:ext>
+            </a:extLst>
+          </p:cNvPr>
+          <p:cNvSpPr txBox="1"/>
+          <p:nvPr/>
+        </p:nvSpPr>
+        <p:spPr>
+          <a:xfrm>
+            <a:off x="7333095" y="3307984"/>
+            <a:ext cx="386106" cy="215444"/>
+          </a:xfrm>
+          <a:prstGeom prst="rect">
+            <a:avLst/>
+          </a:prstGeom>
+          <a:noFill/>
+        </p:spPr>
+        <p:txBody>
+          <a:bodyPr wrap="square" rtlCol="0">
+            <a:spAutoFit/>
+          </a:bodyPr>
+          <a:lstStyle/>
+          <a:p>
+            <a:r>
+              <a:rPr lang="en-US" sz="800" dirty="0"/>
+              <a:t>GND  </a:t>
+            </a:r>
+          </a:p>
+        </p:txBody>
+      </p:sp>
+      <p:sp>
+        <p:nvSpPr>
+          <p:cNvPr id="201" name="Oval 200">
+            <a:extLst>
+              <a:ext uri="{FF2B5EF4-FFF2-40B4-BE49-F238E27FC236}">
+                <a16:creationId xmlns:a16="http://schemas.microsoft.com/office/drawing/2014/main" id="{7F2DCE77-5A03-4096-9AAB-7F674827AC6E}"/>
+              </a:ext>
+            </a:extLst>
+          </p:cNvPr>
+          <p:cNvSpPr/>
+          <p:nvPr/>
+        </p:nvSpPr>
+        <p:spPr>
+          <a:xfrm>
+            <a:off x="10703687" y="3960592"/>
+            <a:ext cx="102637" cy="130628"/>
+          </a:xfrm>
+          <a:prstGeom prst="ellipse">
+            <a:avLst/>
+          </a:prstGeom>
+        </p:spPr>
+        <p:style>
+          <a:lnRef idx="2">
+            <a:schemeClr val="accent6"/>
+          </a:lnRef>
+          <a:fillRef idx="1">
+            <a:schemeClr val="lt1"/>
+          </a:fillRef>
+          <a:effectRef idx="0">
+            <a:schemeClr val="accent6"/>
+          </a:effectRef>
+          <a:fontRef idx="minor">
+            <a:schemeClr val="dk1"/>
+          </a:fontRef>
+        </p:style>
+        <p:txBody>
+          <a:bodyPr rtlCol="0" anchor="ctr"/>
+          <a:lstStyle/>
+          <a:p>
+            <a:pPr algn="ctr"/>
+            <a:endParaRPr lang="en-US"/>
+          </a:p>
+        </p:txBody>
+      </p:sp>
+      <p:sp>
+        <p:nvSpPr>
+          <p:cNvPr id="22" name="Rectangle 21">
+            <a:extLst>
+              <a:ext uri="{FF2B5EF4-FFF2-40B4-BE49-F238E27FC236}">
+                <a16:creationId xmlns:a16="http://schemas.microsoft.com/office/drawing/2014/main" id="{EADA6CA7-B1C0-402D-A06E-6C4D2F2DE8F9}"/>
+              </a:ext>
+            </a:extLst>
+          </p:cNvPr>
+          <p:cNvSpPr/>
+          <p:nvPr/>
+        </p:nvSpPr>
+        <p:spPr>
+          <a:xfrm>
+            <a:off x="8257032" y="1816821"/>
+            <a:ext cx="946011" cy="262049"/>
+          </a:xfrm>
+          <a:prstGeom prst="rect">
+            <a:avLst/>
+          </a:prstGeom>
+        </p:spPr>
+        <p:style>
+          <a:lnRef idx="2">
+            <a:schemeClr val="accent1"/>
+          </a:lnRef>
+          <a:fillRef idx="1">
+            <a:schemeClr val="lt1"/>
+          </a:fillRef>
+          <a:effectRef idx="0">
+            <a:schemeClr val="accent1"/>
+          </a:effectRef>
+          <a:fontRef idx="minor">
+            <a:schemeClr val="dk1"/>
+          </a:fontRef>
+        </p:style>
+        <p:txBody>
+          <a:bodyPr rtlCol="0" anchor="ctr"/>
+          <a:lstStyle/>
+          <a:p>
+            <a:pPr algn="ctr"/>
+            <a:endParaRPr lang="en-US"/>
+          </a:p>
+        </p:txBody>
+      </p:sp>
+      <p:sp>
+        <p:nvSpPr>
+          <p:cNvPr id="202" name="Oval 201">
+            <a:extLst>
+              <a:ext uri="{FF2B5EF4-FFF2-40B4-BE49-F238E27FC236}">
+                <a16:creationId xmlns:a16="http://schemas.microsoft.com/office/drawing/2014/main" id="{7905D3C8-BCC2-4107-B2DE-A7F67F056CCB}"/>
+              </a:ext>
+            </a:extLst>
+          </p:cNvPr>
+          <p:cNvSpPr/>
+          <p:nvPr/>
+        </p:nvSpPr>
+        <p:spPr>
+          <a:xfrm>
+            <a:off x="9021483" y="1697803"/>
+            <a:ext cx="102637" cy="130628"/>
+          </a:xfrm>
+          <a:prstGeom prst="ellipse">
+            <a:avLst/>
+          </a:prstGeom>
+        </p:spPr>
+        <p:style>
+          <a:lnRef idx="2">
+            <a:schemeClr val="accent2"/>
+          </a:lnRef>
+          <a:fillRef idx="1">
+            <a:schemeClr val="lt1"/>
+          </a:fillRef>
+          <a:effectRef idx="0">
+            <a:schemeClr val="accent2"/>
+          </a:effectRef>
+          <a:fontRef idx="minor">
+            <a:schemeClr val="dk1"/>
+          </a:fontRef>
+        </p:style>
+        <p:txBody>
+          <a:bodyPr rtlCol="0" anchor="ctr"/>
+          <a:lstStyle/>
+          <a:p>
+            <a:pPr algn="ctr"/>
+            <a:endParaRPr lang="en-US"/>
+          </a:p>
+        </p:txBody>
+      </p:sp>
+      <p:cxnSp>
+        <p:nvCxnSpPr>
+          <p:cNvPr id="203" name="Connector: Elbow 202">
+            <a:extLst>
+              <a:ext uri="{FF2B5EF4-FFF2-40B4-BE49-F238E27FC236}">
+                <a16:creationId xmlns:a16="http://schemas.microsoft.com/office/drawing/2014/main" id="{655340A1-B11D-476B-87FA-E6FBF2137DAF}"/>
+              </a:ext>
+            </a:extLst>
+          </p:cNvPr>
+          <p:cNvCxnSpPr>
+            <a:cxnSpLocks/>
+            <a:stCxn id="202" idx="0"/>
+          </p:cNvCxnSpPr>
+          <p:nvPr/>
+        </p:nvCxnSpPr>
+        <p:spPr>
+          <a:xfrm rot="16200000" flipV="1">
+            <a:off x="8494944" y="1119944"/>
+            <a:ext cx="82797" cy="1072921"/>
+          </a:xfrm>
+          <a:prstGeom prst="bentConnector2">
+            <a:avLst/>
+          </a:prstGeom>
+          <a:ln>
+            <a:tailEnd type="triangle"/>
+          </a:ln>
+        </p:spPr>
+        <p:style>
+          <a:lnRef idx="1">
+            <a:schemeClr val="accent6"/>
+          </a:lnRef>
+          <a:fillRef idx="0">
+            <a:schemeClr val="accent6"/>
+          </a:fillRef>
+          <a:effectRef idx="0">
+            <a:schemeClr val="accent6"/>
+          </a:effectRef>
+          <a:fontRef idx="minor">
+            <a:schemeClr val="tx1"/>
+          </a:fontRef>
+        </p:style>
+      </p:cxnSp>
+      <p:grpSp>
+        <p:nvGrpSpPr>
+          <p:cNvPr id="64" name="Group 63">
+            <a:extLst>
+              <a:ext uri="{FF2B5EF4-FFF2-40B4-BE49-F238E27FC236}">
+                <a16:creationId xmlns:a16="http://schemas.microsoft.com/office/drawing/2014/main" id="{7AEBFC76-A24E-4DD4-8BC7-49F26DB8231B}"/>
+              </a:ext>
+            </a:extLst>
+          </p:cNvPr>
+          <p:cNvGrpSpPr/>
+          <p:nvPr/>
+        </p:nvGrpSpPr>
+        <p:grpSpPr>
+          <a:xfrm>
+            <a:off x="8922849" y="1826534"/>
+            <a:ext cx="47316" cy="236838"/>
+            <a:chOff x="11659706" y="1320116"/>
+            <a:chExt cx="47316" cy="236838"/>
+          </a:xfrm>
+        </p:grpSpPr>
+        <p:sp>
+          <p:nvSpPr>
+            <p:cNvPr id="26" name="Rectangle 25">
+              <a:extLst>
+                <a:ext uri="{FF2B5EF4-FFF2-40B4-BE49-F238E27FC236}">
+                  <a16:creationId xmlns:a16="http://schemas.microsoft.com/office/drawing/2014/main" id="{CEC73E3B-144B-4E4A-9761-9AC6FA589AF3}"/>
+                </a:ext>
+              </a:extLst>
+            </p:cNvPr>
+            <p:cNvSpPr/>
+            <p:nvPr/>
+          </p:nvSpPr>
+          <p:spPr>
+            <a:xfrm>
+              <a:off x="11661303" y="1370402"/>
+              <a:ext cx="45719" cy="126445"/>
+            </a:xfrm>
+            <a:prstGeom prst="rect">
+              <a:avLst/>
+            </a:prstGeom>
+          </p:spPr>
+          <p:style>
+            <a:lnRef idx="2">
+              <a:schemeClr val="dk1"/>
+            </a:lnRef>
+            <a:fillRef idx="1">
+              <a:schemeClr val="lt1"/>
+            </a:fillRef>
+            <a:effectRef idx="0">
+              <a:schemeClr val="dk1"/>
+            </a:effectRef>
+            <a:fontRef idx="minor">
+              <a:schemeClr val="dk1"/>
+            </a:fontRef>
+          </p:style>
+          <p:txBody>
+            <a:bodyPr rtlCol="0" anchor="ctr"/>
+            <a:lstStyle/>
+            <a:p>
+              <a:pPr algn="ctr"/>
+              <a:endParaRPr lang="en-US"/>
+            </a:p>
+          </p:txBody>
+        </p:sp>
+        <p:cxnSp>
+          <p:nvCxnSpPr>
+            <p:cNvPr id="28" name="Straight Connector 27">
+              <a:extLst>
+                <a:ext uri="{FF2B5EF4-FFF2-40B4-BE49-F238E27FC236}">
+                  <a16:creationId xmlns:a16="http://schemas.microsoft.com/office/drawing/2014/main" id="{090B1035-49F3-4765-80D6-20E2D609FE23}"/>
+                </a:ext>
+              </a:extLst>
+            </p:cNvPr>
+            <p:cNvCxnSpPr>
+              <a:cxnSpLocks/>
+            </p:cNvCxnSpPr>
+            <p:nvPr/>
+          </p:nvCxnSpPr>
+          <p:spPr>
+            <a:xfrm>
+              <a:off x="11661297" y="1463002"/>
+              <a:ext cx="42540" cy="0"/>
+            </a:xfrm>
+            <a:prstGeom prst="line">
+              <a:avLst/>
+            </a:prstGeom>
+          </p:spPr>
+          <p:style>
+            <a:lnRef idx="3">
+              <a:schemeClr val="dk1"/>
+            </a:lnRef>
+            <a:fillRef idx="0">
+              <a:schemeClr val="dk1"/>
+            </a:fillRef>
+            <a:effectRef idx="2">
+              <a:schemeClr val="dk1"/>
+            </a:effectRef>
+            <a:fontRef idx="minor">
+              <a:schemeClr val="tx1"/>
+            </a:fontRef>
+          </p:style>
+        </p:cxnSp>
+        <p:sp>
+          <p:nvSpPr>
+            <p:cNvPr id="211" name="Oval 210">
+              <a:extLst>
+                <a:ext uri="{FF2B5EF4-FFF2-40B4-BE49-F238E27FC236}">
+                  <a16:creationId xmlns:a16="http://schemas.microsoft.com/office/drawing/2014/main" id="{CB67C713-143E-428B-9076-D22AF6517BD9}"/>
+                </a:ext>
+              </a:extLst>
+            </p:cNvPr>
+            <p:cNvSpPr/>
+            <p:nvPr/>
+          </p:nvSpPr>
+          <p:spPr>
+            <a:xfrm>
+              <a:off x="11659706" y="1320116"/>
+              <a:ext cx="45719" cy="45719"/>
+            </a:xfrm>
+            <a:prstGeom prst="ellipse">
+              <a:avLst/>
+            </a:prstGeom>
+          </p:spPr>
+          <p:style>
+            <a:lnRef idx="2">
+              <a:schemeClr val="accent2"/>
+            </a:lnRef>
+            <a:fillRef idx="1">
+              <a:schemeClr val="lt1"/>
+            </a:fillRef>
+            <a:effectRef idx="0">
+              <a:schemeClr val="accent2"/>
+            </a:effectRef>
+            <a:fontRef idx="minor">
+              <a:schemeClr val="dk1"/>
+            </a:fontRef>
+          </p:style>
+          <p:txBody>
+            <a:bodyPr rtlCol="0" anchor="ctr"/>
+            <a:lstStyle/>
+            <a:p>
+              <a:pPr algn="ctr"/>
+              <a:endParaRPr lang="en-US"/>
+            </a:p>
+          </p:txBody>
+        </p:sp>
+        <p:sp>
+          <p:nvSpPr>
+            <p:cNvPr id="214" name="Oval 213">
+              <a:extLst>
+                <a:ext uri="{FF2B5EF4-FFF2-40B4-BE49-F238E27FC236}">
+                  <a16:creationId xmlns:a16="http://schemas.microsoft.com/office/drawing/2014/main" id="{3395BA69-85B7-4C05-8C5F-959525868DC1}"/>
+                </a:ext>
+              </a:extLst>
+            </p:cNvPr>
+            <p:cNvSpPr/>
+            <p:nvPr/>
+          </p:nvSpPr>
+          <p:spPr>
+            <a:xfrm>
+              <a:off x="11659707" y="1511235"/>
+              <a:ext cx="45719" cy="45719"/>
+            </a:xfrm>
+            <a:prstGeom prst="ellipse">
+              <a:avLst/>
+            </a:prstGeom>
+          </p:spPr>
+          <p:style>
+            <a:lnRef idx="2">
+              <a:schemeClr val="accent2"/>
+            </a:lnRef>
+            <a:fillRef idx="1">
+              <a:schemeClr val="lt1"/>
+            </a:fillRef>
+            <a:effectRef idx="0">
+              <a:schemeClr val="accent2"/>
+            </a:effectRef>
+            <a:fontRef idx="minor">
+              <a:schemeClr val="dk1"/>
+            </a:fontRef>
+          </p:style>
+          <p:txBody>
+            <a:bodyPr rtlCol="0" anchor="ctr"/>
+            <a:lstStyle/>
+            <a:p>
+              <a:pPr algn="ctr"/>
+              <a:endParaRPr lang="en-US"/>
+            </a:p>
+          </p:txBody>
+        </p:sp>
+      </p:grpSp>
+      <p:grpSp>
+        <p:nvGrpSpPr>
+          <p:cNvPr id="216" name="Group 215">
+            <a:extLst>
+              <a:ext uri="{FF2B5EF4-FFF2-40B4-BE49-F238E27FC236}">
+                <a16:creationId xmlns:a16="http://schemas.microsoft.com/office/drawing/2014/main" id="{6EAD2C19-B922-4D28-92CC-513B95AA3737}"/>
+              </a:ext>
+            </a:extLst>
+          </p:cNvPr>
+          <p:cNvGrpSpPr/>
+          <p:nvPr/>
+        </p:nvGrpSpPr>
+        <p:grpSpPr>
+          <a:xfrm>
+            <a:off x="8737135" y="1826534"/>
+            <a:ext cx="47316" cy="236838"/>
+            <a:chOff x="11659706" y="1320116"/>
+            <a:chExt cx="47316" cy="236838"/>
+          </a:xfrm>
+        </p:grpSpPr>
+        <p:sp>
+          <p:nvSpPr>
+            <p:cNvPr id="221" name="Rectangle 220">
+              <a:extLst>
+                <a:ext uri="{FF2B5EF4-FFF2-40B4-BE49-F238E27FC236}">
+                  <a16:creationId xmlns:a16="http://schemas.microsoft.com/office/drawing/2014/main" id="{AE4EFA5D-A458-4902-BB93-0D5E4DF8A7F3}"/>
+                </a:ext>
+              </a:extLst>
+            </p:cNvPr>
+            <p:cNvSpPr/>
+            <p:nvPr/>
+          </p:nvSpPr>
+          <p:spPr>
+            <a:xfrm>
+              <a:off x="11661303" y="1370402"/>
+              <a:ext cx="45719" cy="126445"/>
+            </a:xfrm>
+            <a:prstGeom prst="rect">
+              <a:avLst/>
+            </a:prstGeom>
+          </p:spPr>
+          <p:style>
+            <a:lnRef idx="2">
+              <a:schemeClr val="dk1"/>
+            </a:lnRef>
+            <a:fillRef idx="1">
+              <a:schemeClr val="lt1"/>
+            </a:fillRef>
+            <a:effectRef idx="0">
+              <a:schemeClr val="dk1"/>
+            </a:effectRef>
+            <a:fontRef idx="minor">
+              <a:schemeClr val="dk1"/>
+            </a:fontRef>
+          </p:style>
+          <p:txBody>
+            <a:bodyPr rtlCol="0" anchor="ctr"/>
+            <a:lstStyle/>
+            <a:p>
+              <a:pPr algn="ctr"/>
+              <a:endParaRPr lang="en-US"/>
+            </a:p>
+          </p:txBody>
+        </p:sp>
+        <p:cxnSp>
+          <p:nvCxnSpPr>
+            <p:cNvPr id="222" name="Straight Connector 221">
+              <a:extLst>
+                <a:ext uri="{FF2B5EF4-FFF2-40B4-BE49-F238E27FC236}">
+                  <a16:creationId xmlns:a16="http://schemas.microsoft.com/office/drawing/2014/main" id="{04844128-B9BF-424B-B502-348741D324F3}"/>
+                </a:ext>
+              </a:extLst>
+            </p:cNvPr>
+            <p:cNvCxnSpPr>
+              <a:cxnSpLocks/>
+            </p:cNvCxnSpPr>
+            <p:nvPr/>
+          </p:nvCxnSpPr>
+          <p:spPr>
+            <a:xfrm>
+              <a:off x="11661297" y="1463002"/>
+              <a:ext cx="42540" cy="0"/>
+            </a:xfrm>
+            <a:prstGeom prst="line">
+              <a:avLst/>
+            </a:prstGeom>
+          </p:spPr>
+          <p:style>
+            <a:lnRef idx="3">
+              <a:schemeClr val="dk1"/>
+            </a:lnRef>
+            <a:fillRef idx="0">
+              <a:schemeClr val="dk1"/>
+            </a:fillRef>
+            <a:effectRef idx="2">
+              <a:schemeClr val="dk1"/>
+            </a:effectRef>
+            <a:fontRef idx="minor">
+              <a:schemeClr val="tx1"/>
+            </a:fontRef>
+          </p:style>
+        </p:cxnSp>
+        <p:sp>
+          <p:nvSpPr>
+            <p:cNvPr id="225" name="Oval 224">
+              <a:extLst>
+                <a:ext uri="{FF2B5EF4-FFF2-40B4-BE49-F238E27FC236}">
+                  <a16:creationId xmlns:a16="http://schemas.microsoft.com/office/drawing/2014/main" id="{875FEE84-C73A-42EE-8558-58259E8EBBC7}"/>
+                </a:ext>
+              </a:extLst>
+            </p:cNvPr>
+            <p:cNvSpPr/>
+            <p:nvPr/>
+          </p:nvSpPr>
+          <p:spPr>
+            <a:xfrm>
+              <a:off x="11659706" y="1320116"/>
+              <a:ext cx="45719" cy="45719"/>
+            </a:xfrm>
+            <a:prstGeom prst="ellipse">
+              <a:avLst/>
+            </a:prstGeom>
+          </p:spPr>
+          <p:style>
+            <a:lnRef idx="2">
+              <a:schemeClr val="accent2"/>
+            </a:lnRef>
+            <a:fillRef idx="1">
+              <a:schemeClr val="lt1"/>
+            </a:fillRef>
+            <a:effectRef idx="0">
+              <a:schemeClr val="accent2"/>
+            </a:effectRef>
+            <a:fontRef idx="minor">
+              <a:schemeClr val="dk1"/>
+            </a:fontRef>
+          </p:style>
+          <p:txBody>
+            <a:bodyPr rtlCol="0" anchor="ctr"/>
+            <a:lstStyle/>
+            <a:p>
+              <a:pPr algn="ctr"/>
+              <a:endParaRPr lang="en-US"/>
+            </a:p>
+          </p:txBody>
+        </p:sp>
+        <p:sp>
+          <p:nvSpPr>
+            <p:cNvPr id="226" name="Oval 225">
+              <a:extLst>
+                <a:ext uri="{FF2B5EF4-FFF2-40B4-BE49-F238E27FC236}">
+                  <a16:creationId xmlns:a16="http://schemas.microsoft.com/office/drawing/2014/main" id="{5DD57C99-F7FD-49FF-9DF4-138D85333B56}"/>
+                </a:ext>
+              </a:extLst>
+            </p:cNvPr>
+            <p:cNvSpPr/>
+            <p:nvPr/>
+          </p:nvSpPr>
+          <p:spPr>
+            <a:xfrm>
+              <a:off x="11659707" y="1511235"/>
+              <a:ext cx="45719" cy="45719"/>
+            </a:xfrm>
+            <a:prstGeom prst="ellipse">
+              <a:avLst/>
+            </a:prstGeom>
+          </p:spPr>
+          <p:style>
+            <a:lnRef idx="2">
+              <a:schemeClr val="accent2"/>
+            </a:lnRef>
+            <a:fillRef idx="1">
+              <a:schemeClr val="lt1"/>
+            </a:fillRef>
+            <a:effectRef idx="0">
+              <a:schemeClr val="accent2"/>
+            </a:effectRef>
+            <a:fontRef idx="minor">
+              <a:schemeClr val="dk1"/>
+            </a:fontRef>
+          </p:style>
+          <p:txBody>
+            <a:bodyPr rtlCol="0" anchor="ctr"/>
+            <a:lstStyle/>
+            <a:p>
+              <a:pPr algn="ctr"/>
+              <a:endParaRPr lang="en-US"/>
+            </a:p>
+          </p:txBody>
+        </p:sp>
+      </p:grpSp>
+      <p:grpSp>
+        <p:nvGrpSpPr>
+          <p:cNvPr id="227" name="Group 226">
+            <a:extLst>
+              <a:ext uri="{FF2B5EF4-FFF2-40B4-BE49-F238E27FC236}">
+                <a16:creationId xmlns:a16="http://schemas.microsoft.com/office/drawing/2014/main" id="{81D58678-3694-4351-9603-B741A577623C}"/>
+              </a:ext>
+            </a:extLst>
+          </p:cNvPr>
+          <p:cNvGrpSpPr/>
+          <p:nvPr/>
+        </p:nvGrpSpPr>
+        <p:grpSpPr>
+          <a:xfrm>
+            <a:off x="8568284" y="1826534"/>
+            <a:ext cx="47316" cy="236838"/>
+            <a:chOff x="11659706" y="1320116"/>
+            <a:chExt cx="47316" cy="236838"/>
+          </a:xfrm>
+        </p:grpSpPr>
+        <p:sp>
+          <p:nvSpPr>
+            <p:cNvPr id="228" name="Rectangle 227">
+              <a:extLst>
+                <a:ext uri="{FF2B5EF4-FFF2-40B4-BE49-F238E27FC236}">
+                  <a16:creationId xmlns:a16="http://schemas.microsoft.com/office/drawing/2014/main" id="{FD047597-0D63-486A-B43D-845562EBB75E}"/>
+                </a:ext>
+              </a:extLst>
+            </p:cNvPr>
+            <p:cNvSpPr/>
+            <p:nvPr/>
+          </p:nvSpPr>
+          <p:spPr>
+            <a:xfrm>
+              <a:off x="11661303" y="1370402"/>
+              <a:ext cx="45719" cy="126445"/>
+            </a:xfrm>
+            <a:prstGeom prst="rect">
+              <a:avLst/>
+            </a:prstGeom>
+          </p:spPr>
+          <p:style>
+            <a:lnRef idx="2">
+              <a:schemeClr val="dk1"/>
+            </a:lnRef>
+            <a:fillRef idx="1">
+              <a:schemeClr val="lt1"/>
+            </a:fillRef>
+            <a:effectRef idx="0">
+              <a:schemeClr val="dk1"/>
+            </a:effectRef>
+            <a:fontRef idx="minor">
+              <a:schemeClr val="dk1"/>
+            </a:fontRef>
+          </p:style>
+          <p:txBody>
+            <a:bodyPr rtlCol="0" anchor="ctr"/>
+            <a:lstStyle/>
+            <a:p>
+              <a:pPr algn="ctr"/>
+              <a:endParaRPr lang="en-US"/>
+            </a:p>
+          </p:txBody>
+        </p:sp>
+        <p:cxnSp>
+          <p:nvCxnSpPr>
+            <p:cNvPr id="229" name="Straight Connector 228">
+              <a:extLst>
+                <a:ext uri="{FF2B5EF4-FFF2-40B4-BE49-F238E27FC236}">
+                  <a16:creationId xmlns:a16="http://schemas.microsoft.com/office/drawing/2014/main" id="{4EEAE0C0-8F7C-46CC-9612-EEE5602FCDD6}"/>
+                </a:ext>
+              </a:extLst>
+            </p:cNvPr>
+            <p:cNvCxnSpPr>
+              <a:cxnSpLocks/>
+            </p:cNvCxnSpPr>
+            <p:nvPr/>
+          </p:nvCxnSpPr>
+          <p:spPr>
+            <a:xfrm>
+              <a:off x="11661297" y="1463002"/>
+              <a:ext cx="42540" cy="0"/>
+            </a:xfrm>
+            <a:prstGeom prst="line">
+              <a:avLst/>
+            </a:prstGeom>
+          </p:spPr>
+          <p:style>
+            <a:lnRef idx="3">
+              <a:schemeClr val="dk1"/>
+            </a:lnRef>
+            <a:fillRef idx="0">
+              <a:schemeClr val="dk1"/>
+            </a:fillRef>
+            <a:effectRef idx="2">
+              <a:schemeClr val="dk1"/>
+            </a:effectRef>
+            <a:fontRef idx="minor">
+              <a:schemeClr val="tx1"/>
+            </a:fontRef>
+          </p:style>
+        </p:cxnSp>
+        <p:sp>
+          <p:nvSpPr>
+            <p:cNvPr id="230" name="Oval 229">
+              <a:extLst>
+                <a:ext uri="{FF2B5EF4-FFF2-40B4-BE49-F238E27FC236}">
+                  <a16:creationId xmlns:a16="http://schemas.microsoft.com/office/drawing/2014/main" id="{DDCC56D5-E311-4A0B-B12B-7E0B1A458CC1}"/>
+                </a:ext>
+              </a:extLst>
+            </p:cNvPr>
+            <p:cNvSpPr/>
+            <p:nvPr/>
+          </p:nvSpPr>
+          <p:spPr>
+            <a:xfrm>
+              <a:off x="11659706" y="1320116"/>
+              <a:ext cx="45719" cy="45719"/>
+            </a:xfrm>
+            <a:prstGeom prst="ellipse">
+              <a:avLst/>
+            </a:prstGeom>
+          </p:spPr>
+          <p:style>
+            <a:lnRef idx="2">
+              <a:schemeClr val="accent2"/>
+            </a:lnRef>
+            <a:fillRef idx="1">
+              <a:schemeClr val="lt1"/>
+            </a:fillRef>
+            <a:effectRef idx="0">
+              <a:schemeClr val="accent2"/>
+            </a:effectRef>
+            <a:fontRef idx="minor">
+              <a:schemeClr val="dk1"/>
+            </a:fontRef>
+          </p:style>
+          <p:txBody>
+            <a:bodyPr rtlCol="0" anchor="ctr"/>
+            <a:lstStyle/>
+            <a:p>
+              <a:pPr algn="ctr"/>
+              <a:endParaRPr lang="en-US"/>
+            </a:p>
+          </p:txBody>
+        </p:sp>
+        <p:sp>
+          <p:nvSpPr>
+            <p:cNvPr id="262" name="Oval 261">
+              <a:extLst>
+                <a:ext uri="{FF2B5EF4-FFF2-40B4-BE49-F238E27FC236}">
+                  <a16:creationId xmlns:a16="http://schemas.microsoft.com/office/drawing/2014/main" id="{0A8C3CDE-DE7E-47CD-9BE7-420458326537}"/>
+                </a:ext>
+              </a:extLst>
+            </p:cNvPr>
+            <p:cNvSpPr/>
+            <p:nvPr/>
+          </p:nvSpPr>
+          <p:spPr>
+            <a:xfrm>
+              <a:off x="11659707" y="1511235"/>
+              <a:ext cx="45719" cy="45719"/>
+            </a:xfrm>
+            <a:prstGeom prst="ellipse">
+              <a:avLst/>
+            </a:prstGeom>
+          </p:spPr>
+          <p:style>
+            <a:lnRef idx="2">
+              <a:schemeClr val="accent2"/>
+            </a:lnRef>
+            <a:fillRef idx="1">
+              <a:schemeClr val="lt1"/>
+            </a:fillRef>
+            <a:effectRef idx="0">
+              <a:schemeClr val="accent2"/>
+            </a:effectRef>
+            <a:fontRef idx="minor">
+              <a:schemeClr val="dk1"/>
+            </a:fontRef>
+          </p:style>
+          <p:txBody>
+            <a:bodyPr rtlCol="0" anchor="ctr"/>
+            <a:lstStyle/>
+            <a:p>
+              <a:pPr algn="ctr"/>
+              <a:endParaRPr lang="en-US"/>
+            </a:p>
+          </p:txBody>
+        </p:sp>
+      </p:grpSp>
+      <p:grpSp>
+        <p:nvGrpSpPr>
+          <p:cNvPr id="264" name="Group 263">
+            <a:extLst>
+              <a:ext uri="{FF2B5EF4-FFF2-40B4-BE49-F238E27FC236}">
+                <a16:creationId xmlns:a16="http://schemas.microsoft.com/office/drawing/2014/main" id="{63E3C08B-6BF9-4C2E-A089-4378F6D221B4}"/>
+              </a:ext>
+            </a:extLst>
+          </p:cNvPr>
+          <p:cNvGrpSpPr/>
+          <p:nvPr/>
+        </p:nvGrpSpPr>
+        <p:grpSpPr>
+          <a:xfrm>
+            <a:off x="8386339" y="1821623"/>
+            <a:ext cx="47316" cy="236838"/>
+            <a:chOff x="11659706" y="1320116"/>
+            <a:chExt cx="47316" cy="236838"/>
+          </a:xfrm>
+        </p:grpSpPr>
+        <p:sp>
+          <p:nvSpPr>
+            <p:cNvPr id="265" name="Rectangle 264">
+              <a:extLst>
+                <a:ext uri="{FF2B5EF4-FFF2-40B4-BE49-F238E27FC236}">
+                  <a16:creationId xmlns:a16="http://schemas.microsoft.com/office/drawing/2014/main" id="{4A6D7DB2-B1D9-4B89-B007-C67E2D7274BB}"/>
+                </a:ext>
+              </a:extLst>
+            </p:cNvPr>
+            <p:cNvSpPr/>
+            <p:nvPr/>
+          </p:nvSpPr>
+          <p:spPr>
+            <a:xfrm>
+              <a:off x="11661303" y="1370402"/>
+              <a:ext cx="45719" cy="126445"/>
+            </a:xfrm>
+            <a:prstGeom prst="rect">
+              <a:avLst/>
+            </a:prstGeom>
+          </p:spPr>
+          <p:style>
+            <a:lnRef idx="2">
+              <a:schemeClr val="dk1"/>
+            </a:lnRef>
+            <a:fillRef idx="1">
+              <a:schemeClr val="lt1"/>
+            </a:fillRef>
+            <a:effectRef idx="0">
+              <a:schemeClr val="dk1"/>
+            </a:effectRef>
+            <a:fontRef idx="minor">
+              <a:schemeClr val="dk1"/>
+            </a:fontRef>
+          </p:style>
+          <p:txBody>
+            <a:bodyPr rtlCol="0" anchor="ctr"/>
+            <a:lstStyle/>
+            <a:p>
+              <a:pPr algn="ctr"/>
+              <a:endParaRPr lang="en-US"/>
+            </a:p>
+          </p:txBody>
+        </p:sp>
+        <p:cxnSp>
+          <p:nvCxnSpPr>
+            <p:cNvPr id="268" name="Straight Connector 267">
+              <a:extLst>
+                <a:ext uri="{FF2B5EF4-FFF2-40B4-BE49-F238E27FC236}">
+                  <a16:creationId xmlns:a16="http://schemas.microsoft.com/office/drawing/2014/main" id="{17F620BF-F68B-4F68-AD50-BF30764B119E}"/>
+                </a:ext>
+              </a:extLst>
+            </p:cNvPr>
+            <p:cNvCxnSpPr>
+              <a:cxnSpLocks/>
+            </p:cNvCxnSpPr>
+            <p:nvPr/>
+          </p:nvCxnSpPr>
+          <p:spPr>
+            <a:xfrm>
+              <a:off x="11661297" y="1463002"/>
+              <a:ext cx="42540" cy="0"/>
+            </a:xfrm>
+            <a:prstGeom prst="line">
+              <a:avLst/>
+            </a:prstGeom>
+          </p:spPr>
+          <p:style>
+            <a:lnRef idx="3">
+              <a:schemeClr val="dk1"/>
+            </a:lnRef>
+            <a:fillRef idx="0">
+              <a:schemeClr val="dk1"/>
+            </a:fillRef>
+            <a:effectRef idx="2">
+              <a:schemeClr val="dk1"/>
+            </a:effectRef>
+            <a:fontRef idx="minor">
+              <a:schemeClr val="tx1"/>
+            </a:fontRef>
+          </p:style>
+        </p:cxnSp>
+        <p:sp>
+          <p:nvSpPr>
+            <p:cNvPr id="269" name="Oval 268">
+              <a:extLst>
+                <a:ext uri="{FF2B5EF4-FFF2-40B4-BE49-F238E27FC236}">
+                  <a16:creationId xmlns:a16="http://schemas.microsoft.com/office/drawing/2014/main" id="{C7F5A22D-15A7-4503-A752-466405A6F5BA}"/>
+                </a:ext>
+              </a:extLst>
+            </p:cNvPr>
+            <p:cNvSpPr/>
+            <p:nvPr/>
+          </p:nvSpPr>
+          <p:spPr>
+            <a:xfrm>
+              <a:off x="11659706" y="1320116"/>
+              <a:ext cx="45719" cy="45719"/>
+            </a:xfrm>
+            <a:prstGeom prst="ellipse">
+              <a:avLst/>
+            </a:prstGeom>
+          </p:spPr>
+          <p:style>
+            <a:lnRef idx="2">
+              <a:schemeClr val="accent2"/>
+            </a:lnRef>
+            <a:fillRef idx="1">
+              <a:schemeClr val="lt1"/>
+            </a:fillRef>
+            <a:effectRef idx="0">
+              <a:schemeClr val="accent2"/>
+            </a:effectRef>
+            <a:fontRef idx="minor">
+              <a:schemeClr val="dk1"/>
+            </a:fontRef>
+          </p:style>
+          <p:txBody>
+            <a:bodyPr rtlCol="0" anchor="ctr"/>
+            <a:lstStyle/>
+            <a:p>
+              <a:pPr algn="ctr"/>
+              <a:endParaRPr lang="en-US"/>
+            </a:p>
+          </p:txBody>
+        </p:sp>
+        <p:sp>
+          <p:nvSpPr>
+            <p:cNvPr id="270" name="Oval 269">
+              <a:extLst>
+                <a:ext uri="{FF2B5EF4-FFF2-40B4-BE49-F238E27FC236}">
+                  <a16:creationId xmlns:a16="http://schemas.microsoft.com/office/drawing/2014/main" id="{11675017-5E11-4D3A-94C2-A30718BC8B9A}"/>
+                </a:ext>
+              </a:extLst>
+            </p:cNvPr>
+            <p:cNvSpPr/>
+            <p:nvPr/>
+          </p:nvSpPr>
+          <p:spPr>
+            <a:xfrm>
+              <a:off x="11659707" y="1511235"/>
+              <a:ext cx="45719" cy="45719"/>
+            </a:xfrm>
+            <a:prstGeom prst="ellipse">
+              <a:avLst/>
+            </a:prstGeom>
+          </p:spPr>
+          <p:style>
+            <a:lnRef idx="2">
+              <a:schemeClr val="accent2"/>
+            </a:lnRef>
+            <a:fillRef idx="1">
+              <a:schemeClr val="lt1"/>
+            </a:fillRef>
+            <a:effectRef idx="0">
+              <a:schemeClr val="accent2"/>
+            </a:effectRef>
+            <a:fontRef idx="minor">
+              <a:schemeClr val="dk1"/>
+            </a:fontRef>
+          </p:style>
+          <p:txBody>
+            <a:bodyPr rtlCol="0" anchor="ctr"/>
+            <a:lstStyle/>
+            <a:p>
+              <a:pPr algn="ctr"/>
+              <a:endParaRPr lang="en-US"/>
+            </a:p>
+          </p:txBody>
+        </p:sp>
+      </p:grpSp>
+      <p:cxnSp>
+        <p:nvCxnSpPr>
+          <p:cNvPr id="70" name="Connector: Elbow 69">
+            <a:extLst>
+              <a:ext uri="{FF2B5EF4-FFF2-40B4-BE49-F238E27FC236}">
+                <a16:creationId xmlns:a16="http://schemas.microsoft.com/office/drawing/2014/main" id="{6FDF09BC-EBEF-444E-85D2-3F075D255329}"/>
+              </a:ext>
+            </a:extLst>
+          </p:cNvPr>
+          <p:cNvCxnSpPr>
+            <a:stCxn id="202" idx="2"/>
+            <a:endCxn id="211" idx="0"/>
+          </p:cNvCxnSpPr>
+          <p:nvPr/>
+        </p:nvCxnSpPr>
+        <p:spPr>
+          <a:xfrm rot="10800000" flipV="1">
+            <a:off x="8945709" y="1763116"/>
+            <a:ext cx="75774" cy="63417"/>
+          </a:xfrm>
+          <a:prstGeom prst="bentConnector2">
+            <a:avLst/>
+          </a:prstGeom>
+        </p:spPr>
+        <p:style>
+          <a:lnRef idx="1">
+            <a:schemeClr val="accent6"/>
+          </a:lnRef>
+          <a:fillRef idx="0">
+            <a:schemeClr val="accent6"/>
+          </a:fillRef>
+          <a:effectRef idx="0">
+            <a:schemeClr val="accent6"/>
+          </a:effectRef>
+          <a:fontRef idx="minor">
+            <a:schemeClr val="tx1"/>
+          </a:fontRef>
+        </p:style>
+      </p:cxnSp>
+      <p:cxnSp>
+        <p:nvCxnSpPr>
+          <p:cNvPr id="272" name="Connector: Elbow 271">
+            <a:extLst>
+              <a:ext uri="{FF2B5EF4-FFF2-40B4-BE49-F238E27FC236}">
+                <a16:creationId xmlns:a16="http://schemas.microsoft.com/office/drawing/2014/main" id="{FE5E442B-1772-431F-9CF4-7209BF1ABAE1}"/>
+              </a:ext>
+            </a:extLst>
+          </p:cNvPr>
+          <p:cNvCxnSpPr>
+            <a:cxnSpLocks/>
+            <a:stCxn id="202" idx="2"/>
+            <a:endCxn id="225" idx="0"/>
+          </p:cNvCxnSpPr>
+          <p:nvPr/>
+        </p:nvCxnSpPr>
+        <p:spPr>
+          <a:xfrm rot="10800000" flipV="1">
+            <a:off x="8759995" y="1763116"/>
+            <a:ext cx="261488" cy="63417"/>
+          </a:xfrm>
+          <a:prstGeom prst="bentConnector2">
+            <a:avLst/>
+          </a:prstGeom>
+        </p:spPr>
+        <p:style>
+          <a:lnRef idx="1">
+            <a:schemeClr val="accent6"/>
+          </a:lnRef>
+          <a:fillRef idx="0">
+            <a:schemeClr val="accent6"/>
+          </a:fillRef>
+          <a:effectRef idx="0">
+            <a:schemeClr val="accent6"/>
+          </a:effectRef>
+          <a:fontRef idx="minor">
+            <a:schemeClr val="tx1"/>
+          </a:fontRef>
+        </p:style>
+      </p:cxnSp>
+      <p:cxnSp>
+        <p:nvCxnSpPr>
+          <p:cNvPr id="275" name="Connector: Elbow 274">
+            <a:extLst>
+              <a:ext uri="{FF2B5EF4-FFF2-40B4-BE49-F238E27FC236}">
+                <a16:creationId xmlns:a16="http://schemas.microsoft.com/office/drawing/2014/main" id="{F9C68B8B-2DC4-44C7-B69E-5CBCE7060E9E}"/>
+              </a:ext>
+            </a:extLst>
+          </p:cNvPr>
+          <p:cNvCxnSpPr>
+            <a:cxnSpLocks/>
+            <a:stCxn id="202" idx="2"/>
+            <a:endCxn id="230" idx="0"/>
+          </p:cNvCxnSpPr>
+          <p:nvPr/>
+        </p:nvCxnSpPr>
+        <p:spPr>
+          <a:xfrm rot="10800000" flipV="1">
+            <a:off x="8591145" y="1763116"/>
+            <a:ext cx="430339" cy="63417"/>
+          </a:xfrm>
+          <a:prstGeom prst="bentConnector2">
+            <a:avLst/>
+          </a:prstGeom>
+        </p:spPr>
+        <p:style>
+          <a:lnRef idx="1">
+            <a:schemeClr val="accent6"/>
+          </a:lnRef>
+          <a:fillRef idx="0">
+            <a:schemeClr val="accent6"/>
+          </a:fillRef>
+          <a:effectRef idx="0">
+            <a:schemeClr val="accent6"/>
+          </a:effectRef>
+          <a:fontRef idx="minor">
+            <a:schemeClr val="tx1"/>
+          </a:fontRef>
+        </p:style>
+      </p:cxnSp>
+      <p:cxnSp>
+        <p:nvCxnSpPr>
+          <p:cNvPr id="277" name="Connector: Elbow 276">
+            <a:extLst>
+              <a:ext uri="{FF2B5EF4-FFF2-40B4-BE49-F238E27FC236}">
+                <a16:creationId xmlns:a16="http://schemas.microsoft.com/office/drawing/2014/main" id="{5CD4DA19-BBD3-40FD-A8F6-579D0474E5BC}"/>
+              </a:ext>
+            </a:extLst>
+          </p:cNvPr>
+          <p:cNvCxnSpPr>
+            <a:cxnSpLocks/>
+            <a:stCxn id="202" idx="2"/>
+            <a:endCxn id="269" idx="0"/>
+          </p:cNvCxnSpPr>
+          <p:nvPr/>
+        </p:nvCxnSpPr>
+        <p:spPr>
+          <a:xfrm rot="10800000" flipV="1">
+            <a:off x="8409199" y="1763117"/>
+            <a:ext cx="612284" cy="58506"/>
+          </a:xfrm>
+          <a:prstGeom prst="bentConnector2">
+            <a:avLst/>
+          </a:prstGeom>
+        </p:spPr>
+        <p:style>
+          <a:lnRef idx="1">
+            <a:schemeClr val="accent6"/>
+          </a:lnRef>
+          <a:fillRef idx="0">
+            <a:schemeClr val="accent6"/>
+          </a:fillRef>
+          <a:effectRef idx="0">
+            <a:schemeClr val="accent6"/>
+          </a:effectRef>
+          <a:fontRef idx="minor">
+            <a:schemeClr val="tx1"/>
+          </a:fontRef>
+        </p:style>
+      </p:cxnSp>
+      <p:cxnSp>
+        <p:nvCxnSpPr>
+          <p:cNvPr id="278" name="Connector: Elbow 277">
+            <a:extLst>
+              <a:ext uri="{FF2B5EF4-FFF2-40B4-BE49-F238E27FC236}">
+                <a16:creationId xmlns:a16="http://schemas.microsoft.com/office/drawing/2014/main" id="{E5B285DD-C491-46E4-A22F-FC19F9CC8D70}"/>
+              </a:ext>
+            </a:extLst>
+          </p:cNvPr>
+          <p:cNvCxnSpPr>
+            <a:cxnSpLocks/>
+            <a:stCxn id="214" idx="4"/>
+            <a:endCxn id="231" idx="0"/>
+          </p:cNvCxnSpPr>
+          <p:nvPr/>
+        </p:nvCxnSpPr>
+        <p:spPr>
+          <a:xfrm rot="5400000">
+            <a:off x="7245131" y="888175"/>
+            <a:ext cx="525383" cy="2875777"/>
+          </a:xfrm>
+          <a:prstGeom prst="bentConnector3">
+            <a:avLst>
+              <a:gd name="adj1" fmla="val 31870"/>
+            </a:avLst>
+          </a:prstGeom>
+        </p:spPr>
+        <p:style>
+          <a:lnRef idx="1">
+            <a:schemeClr val="accent1"/>
+          </a:lnRef>
+          <a:fillRef idx="0">
+            <a:schemeClr val="accent1"/>
+          </a:fillRef>
+          <a:effectRef idx="0">
+            <a:schemeClr val="accent1"/>
+          </a:effectRef>
+          <a:fontRef idx="minor">
+            <a:schemeClr val="tx1"/>
+          </a:fontRef>
+        </p:style>
+      </p:cxnSp>
+      <p:cxnSp>
+        <p:nvCxnSpPr>
+          <p:cNvPr id="282" name="Connector: Elbow 281">
+            <a:extLst>
+              <a:ext uri="{FF2B5EF4-FFF2-40B4-BE49-F238E27FC236}">
+                <a16:creationId xmlns:a16="http://schemas.microsoft.com/office/drawing/2014/main" id="{FE1F0180-98D9-48D3-BF60-B81E355C7CDD}"/>
+              </a:ext>
+            </a:extLst>
+          </p:cNvPr>
+          <p:cNvCxnSpPr>
+            <a:cxnSpLocks/>
+            <a:stCxn id="226" idx="4"/>
+            <a:endCxn id="233" idx="0"/>
+          </p:cNvCxnSpPr>
+          <p:nvPr/>
+        </p:nvCxnSpPr>
+        <p:spPr>
+          <a:xfrm rot="5400000">
+            <a:off x="7410422" y="1239180"/>
+            <a:ext cx="525383" cy="2173767"/>
+          </a:xfrm>
+          <a:prstGeom prst="bentConnector3">
+            <a:avLst>
+              <a:gd name="adj1" fmla="val 36856"/>
+            </a:avLst>
+          </a:prstGeom>
+        </p:spPr>
+        <p:style>
+          <a:lnRef idx="1">
+            <a:schemeClr val="accent1"/>
+          </a:lnRef>
+          <a:fillRef idx="0">
+            <a:schemeClr val="accent1"/>
+          </a:fillRef>
+          <a:effectRef idx="0">
+            <a:schemeClr val="accent1"/>
+          </a:effectRef>
+          <a:fontRef idx="minor">
+            <a:schemeClr val="tx1"/>
+          </a:fontRef>
+        </p:style>
+      </p:cxnSp>
+      <p:cxnSp>
+        <p:nvCxnSpPr>
+          <p:cNvPr id="283" name="Connector: Elbow 282">
+            <a:extLst>
+              <a:ext uri="{FF2B5EF4-FFF2-40B4-BE49-F238E27FC236}">
+                <a16:creationId xmlns:a16="http://schemas.microsoft.com/office/drawing/2014/main" id="{54CC1282-07A8-4691-9C08-FC5445D8B734}"/>
+              </a:ext>
+            </a:extLst>
+          </p:cNvPr>
+          <p:cNvCxnSpPr>
+            <a:cxnSpLocks/>
+            <a:stCxn id="262" idx="4"/>
+            <a:endCxn id="235" idx="0"/>
+          </p:cNvCxnSpPr>
+          <p:nvPr/>
+        </p:nvCxnSpPr>
+        <p:spPr>
+          <a:xfrm rot="5400000">
+            <a:off x="7577564" y="1583549"/>
+            <a:ext cx="533759" cy="1493404"/>
+          </a:xfrm>
+          <a:prstGeom prst="bentConnector3">
+            <a:avLst>
+              <a:gd name="adj1" fmla="val 42861"/>
+            </a:avLst>
+          </a:prstGeom>
+        </p:spPr>
+        <p:style>
+          <a:lnRef idx="1">
+            <a:schemeClr val="accent1"/>
+          </a:lnRef>
+          <a:fillRef idx="0">
+            <a:schemeClr val="accent1"/>
+          </a:fillRef>
+          <a:effectRef idx="0">
+            <a:schemeClr val="accent1"/>
+          </a:effectRef>
+          <a:fontRef idx="minor">
+            <a:schemeClr val="tx1"/>
+          </a:fontRef>
+        </p:style>
+      </p:cxnSp>
+      <p:cxnSp>
+        <p:nvCxnSpPr>
+          <p:cNvPr id="284" name="Connector: Elbow 283">
+            <a:extLst>
+              <a:ext uri="{FF2B5EF4-FFF2-40B4-BE49-F238E27FC236}">
+                <a16:creationId xmlns:a16="http://schemas.microsoft.com/office/drawing/2014/main" id="{D95F0CBC-94BD-46A0-A8AD-6ED3B4E62A43}"/>
+              </a:ext>
+            </a:extLst>
+          </p:cNvPr>
+          <p:cNvCxnSpPr>
+            <a:cxnSpLocks/>
+            <a:stCxn id="270" idx="4"/>
+            <a:endCxn id="237" idx="0"/>
+          </p:cNvCxnSpPr>
+          <p:nvPr/>
+        </p:nvCxnSpPr>
+        <p:spPr>
+          <a:xfrm rot="5400000">
+            <a:off x="7742284" y="1930215"/>
+            <a:ext cx="538670" cy="795163"/>
+          </a:xfrm>
+          <a:prstGeom prst="bentConnector3">
+            <a:avLst>
+              <a:gd name="adj1" fmla="val 48673"/>
+            </a:avLst>
+          </a:prstGeom>
+        </p:spPr>
+        <p:style>
+          <a:lnRef idx="1">
+            <a:schemeClr val="accent1"/>
+          </a:lnRef>
+          <a:fillRef idx="0">
+            <a:schemeClr val="accent1"/>
+          </a:fillRef>
+          <a:effectRef idx="0">
+            <a:schemeClr val="accent1"/>
+          </a:effectRef>
+          <a:fontRef idx="minor">
+            <a:schemeClr val="tx1"/>
+          </a:fontRef>
+        </p:style>
+      </p:cxnSp>
+      <p:sp>
+        <p:nvSpPr>
+          <p:cNvPr id="285" name="TextBox 284">
+            <a:extLst>
+              <a:ext uri="{FF2B5EF4-FFF2-40B4-BE49-F238E27FC236}">
+                <a16:creationId xmlns:a16="http://schemas.microsoft.com/office/drawing/2014/main" id="{73E12504-CEDC-4A84-8858-AB5552681B89}"/>
+              </a:ext>
+            </a:extLst>
+          </p:cNvPr>
+          <p:cNvSpPr txBox="1"/>
+          <p:nvPr/>
+        </p:nvSpPr>
+        <p:spPr>
+          <a:xfrm>
+            <a:off x="8926043" y="1789007"/>
+            <a:ext cx="495649" cy="338554"/>
+          </a:xfrm>
+          <a:prstGeom prst="rect">
+            <a:avLst/>
+          </a:prstGeom>
+          <a:noFill/>
+        </p:spPr>
+        <p:txBody>
+          <a:bodyPr wrap="none" rtlCol="0">
+            <a:spAutoFit/>
+          </a:bodyPr>
+          <a:lstStyle/>
+          <a:p>
+            <a:r>
+              <a:rPr lang="en-US" sz="800" dirty="0" err="1"/>
+              <a:t>Flyback</a:t>
+            </a:r>
+            <a:endParaRPr lang="en-US" sz="800" dirty="0"/>
+          </a:p>
+          <a:p>
+            <a:r>
+              <a:rPr lang="en-US" sz="800" dirty="0"/>
+              <a:t>Diodes</a:t>
+            </a:r>
           </a:p>
         </p:txBody>
       </p:sp>
